--- a/파이썬_강좌/6. 파이썬 기초 - 리스트.pptx
+++ b/파이썬_강좌/6. 파이썬 기초 - 리스트.pptx
@@ -24,7 +24,7 @@
     <p:sldId id="269" r:id="rId15"/>
     <p:sldId id="270" r:id="rId16"/>
   </p:sldIdLst>
-  <p:sldSz cx="9144000" cy="6858000" type="screen4x3"/>
+  <p:sldSz cx="12192000" cy="6858000"/>
   <p:notesSz cx="6858000" cy="9144000"/>
   <p:defaultTextStyle>
     <a:defPPr marR="0" lvl="0" algn="l" rtl="0">
@@ -258,12 +258,12 @@
   <p:extLst>
     <p:ext uri="{EFAFB233-063F-42B5-8137-9DF3F51BA10A}">
       <p15:sldGuideLst xmlns:p15="http://schemas.microsoft.com/office/powerpoint/2012/main">
-        <p15:guide id="1" orient="horz" pos="2160">
+        <p15:guide id="1" orient="horz" pos="2160" userDrawn="1">
           <p15:clr>
             <a:srgbClr val="A4A3A4"/>
           </p15:clr>
         </p15:guide>
-        <p15:guide id="2" pos="2880">
+        <p15:guide id="2" pos="3840" userDrawn="1">
           <p15:clr>
             <a:srgbClr val="A4A3A4"/>
           </p15:clr>
@@ -308,8 +308,8 @@
         </p:nvSpPr>
         <p:spPr>
           <a:xfrm>
-            <a:off x="1143309" y="685800"/>
-            <a:ext cx="4572000" cy="3429000"/>
+            <a:off x="381000" y="685800"/>
+            <a:ext cx="6096000" cy="3429000"/>
           </a:xfrm>
           <a:custGeom>
             <a:avLst/>
@@ -744,8 +744,8 @@
         </p:nvSpPr>
         <p:spPr>
           <a:xfrm>
-            <a:off x="1143309" y="685800"/>
-            <a:ext cx="4572000" cy="3429000"/>
+            <a:off x="381000" y="685800"/>
+            <a:ext cx="6096000" cy="3429000"/>
           </a:xfrm>
           <a:custGeom>
             <a:avLst/>
@@ -848,8 +848,8 @@
         </p:nvSpPr>
         <p:spPr>
           <a:xfrm>
-            <a:off x="1143309" y="685800"/>
-            <a:ext cx="4572000" cy="3429000"/>
+            <a:off x="381000" y="685800"/>
+            <a:ext cx="6096000" cy="3429000"/>
           </a:xfrm>
           <a:custGeom>
             <a:avLst/>
@@ -952,8 +952,8 @@
         </p:nvSpPr>
         <p:spPr>
           <a:xfrm>
-            <a:off x="1143309" y="685800"/>
-            <a:ext cx="4572000" cy="3429000"/>
+            <a:off x="381000" y="685800"/>
+            <a:ext cx="6096000" cy="3429000"/>
           </a:xfrm>
           <a:custGeom>
             <a:avLst/>
@@ -1056,8 +1056,8 @@
         </p:nvSpPr>
         <p:spPr>
           <a:xfrm>
-            <a:off x="1143309" y="685800"/>
-            <a:ext cx="4572000" cy="3429000"/>
+            <a:off x="381000" y="685800"/>
+            <a:ext cx="6096000" cy="3429000"/>
           </a:xfrm>
           <a:custGeom>
             <a:avLst/>
@@ -1160,8 +1160,8 @@
         </p:nvSpPr>
         <p:spPr>
           <a:xfrm>
-            <a:off x="1143309" y="685800"/>
-            <a:ext cx="4572000" cy="3429000"/>
+            <a:off x="381000" y="685800"/>
+            <a:ext cx="6096000" cy="3429000"/>
           </a:xfrm>
           <a:custGeom>
             <a:avLst/>
@@ -1264,8 +1264,8 @@
         </p:nvSpPr>
         <p:spPr>
           <a:xfrm>
-            <a:off x="1143309" y="685800"/>
-            <a:ext cx="4572000" cy="3429000"/>
+            <a:off x="381000" y="685800"/>
+            <a:ext cx="6096000" cy="3429000"/>
           </a:xfrm>
           <a:custGeom>
             <a:avLst/>
@@ -1368,8 +1368,8 @@
         </p:nvSpPr>
         <p:spPr>
           <a:xfrm>
-            <a:off x="1143000" y="685800"/>
-            <a:ext cx="4572000" cy="3429000"/>
+            <a:off x="381000" y="685800"/>
+            <a:ext cx="6096000" cy="3429000"/>
           </a:xfrm>
           <a:custGeom>
             <a:avLst/>
@@ -1472,8 +1472,8 @@
         </p:nvSpPr>
         <p:spPr>
           <a:xfrm>
-            <a:off x="1143309" y="685800"/>
-            <a:ext cx="4572000" cy="3429000"/>
+            <a:off x="381000" y="685800"/>
+            <a:ext cx="6096000" cy="3429000"/>
           </a:xfrm>
           <a:custGeom>
             <a:avLst/>
@@ -1576,8 +1576,8 @@
         </p:nvSpPr>
         <p:spPr>
           <a:xfrm>
-            <a:off x="1143309" y="685800"/>
-            <a:ext cx="4572000" cy="3429000"/>
+            <a:off x="381000" y="685800"/>
+            <a:ext cx="6096000" cy="3429000"/>
           </a:xfrm>
           <a:custGeom>
             <a:avLst/>
@@ -1680,8 +1680,8 @@
         </p:nvSpPr>
         <p:spPr>
           <a:xfrm>
-            <a:off x="1143309" y="685800"/>
-            <a:ext cx="4572000" cy="3429000"/>
+            <a:off x="381000" y="685800"/>
+            <a:ext cx="6096000" cy="3429000"/>
           </a:xfrm>
           <a:custGeom>
             <a:avLst/>
@@ -1784,8 +1784,8 @@
         </p:nvSpPr>
         <p:spPr>
           <a:xfrm>
-            <a:off x="1143309" y="685800"/>
-            <a:ext cx="4572000" cy="3429000"/>
+            <a:off x="381000" y="685800"/>
+            <a:ext cx="6096000" cy="3429000"/>
           </a:xfrm>
           <a:custGeom>
             <a:avLst/>
@@ -1888,8 +1888,8 @@
         </p:nvSpPr>
         <p:spPr>
           <a:xfrm>
-            <a:off x="1143309" y="685800"/>
-            <a:ext cx="4572000" cy="3429000"/>
+            <a:off x="381000" y="685800"/>
+            <a:ext cx="6096000" cy="3429000"/>
           </a:xfrm>
           <a:custGeom>
             <a:avLst/>
@@ -1992,8 +1992,8 @@
         </p:nvSpPr>
         <p:spPr>
           <a:xfrm>
-            <a:off x="1143309" y="685800"/>
-            <a:ext cx="4572000" cy="3429000"/>
+            <a:off x="381000" y="685800"/>
+            <a:ext cx="6096000" cy="3429000"/>
           </a:xfrm>
           <a:custGeom>
             <a:avLst/>
@@ -2096,8 +2096,8 @@
         </p:nvSpPr>
         <p:spPr>
           <a:xfrm>
-            <a:off x="1143309" y="685800"/>
-            <a:ext cx="4572000" cy="3429000"/>
+            <a:off x="381000" y="685800"/>
+            <a:ext cx="6096000" cy="3429000"/>
           </a:xfrm>
           <a:custGeom>
             <a:avLst/>
@@ -2200,8 +2200,8 @@
         </p:nvSpPr>
         <p:spPr>
           <a:xfrm>
-            <a:off x="1143309" y="685800"/>
-            <a:ext cx="4572000" cy="3429000"/>
+            <a:off x="381000" y="685800"/>
+            <a:ext cx="6096000" cy="3429000"/>
           </a:xfrm>
           <a:custGeom>
             <a:avLst/>
@@ -2304,8 +2304,8 @@
         </p:nvSpPr>
         <p:spPr>
           <a:xfrm>
-            <a:off x="311708" y="992767"/>
-            <a:ext cx="8520600" cy="2736900"/>
+            <a:off x="415611" y="992767"/>
+            <a:ext cx="11360800" cy="2736900"/>
           </a:xfrm>
           <a:prstGeom prst="rect">
             <a:avLst/>
@@ -2433,8 +2433,8 @@
         </p:nvSpPr>
         <p:spPr>
           <a:xfrm>
-            <a:off x="311700" y="3778833"/>
-            <a:ext cx="8520600" cy="1056900"/>
+            <a:off x="415600" y="3778833"/>
+            <a:ext cx="11360800" cy="1056900"/>
           </a:xfrm>
           <a:prstGeom prst="rect">
             <a:avLst/>
@@ -2589,8 +2589,8 @@
         </p:nvSpPr>
         <p:spPr>
           <a:xfrm>
-            <a:off x="8472458" y="6217622"/>
-            <a:ext cx="548700" cy="524700"/>
+            <a:off x="11296611" y="6217622"/>
+            <a:ext cx="731600" cy="524700"/>
           </a:xfrm>
           <a:prstGeom prst="rect">
             <a:avLst/>
@@ -2639,23 +2639,45 @@
             </a:lvl9pPr>
           </a:lstStyle>
           <a:p>
-            <a:pPr marL="0" lvl="0" indent="0" algn="r" rtl="0">
-              <a:spcBef>
-                <a:spcPts val="0"/>
-              </a:spcBef>
-              <a:spcAft>
-                <a:spcPts val="0"/>
-              </a:spcAft>
-              <a:buNone/>
-            </a:pPr>
             <a:fld id="{00000000-1234-1234-1234-123412341234}" type="slidenum">
-              <a:rPr lang="en"/>
+              <a:rPr lang="en" smtClean="0"/>
+              <a:pPr/>
               <a:t>‹#›</a:t>
             </a:fld>
-            <a:endParaRPr/>
+            <a:endParaRPr lang="en"/>
           </a:p>
         </p:txBody>
       </p:sp>
+      <p:pic>
+        <p:nvPicPr>
+          <p:cNvPr id="2" name="그림 1">
+            <a:extLst>
+              <a:ext uri="{FF2B5EF4-FFF2-40B4-BE49-F238E27FC236}">
+                <a16:creationId xmlns:a16="http://schemas.microsoft.com/office/drawing/2014/main" id="{D59F0F29-4C6A-5BBA-7048-F1EC4C4F2A54}"/>
+              </a:ext>
+            </a:extLst>
+          </p:cNvPr>
+          <p:cNvPicPr>
+            <a:picLocks noChangeAspect="1"/>
+          </p:cNvPicPr>
+          <p:nvPr userDrawn="1"/>
+        </p:nvPicPr>
+        <p:blipFill>
+          <a:blip r:embed="rId2"/>
+          <a:stretch>
+            <a:fillRect/>
+          </a:stretch>
+        </p:blipFill>
+        <p:spPr>
+          <a:xfrm>
+            <a:off x="4772910" y="4688868"/>
+            <a:ext cx="2646180" cy="1046769"/>
+          </a:xfrm>
+          <a:prstGeom prst="rect">
+            <a:avLst/>
+          </a:prstGeom>
+        </p:spPr>
+      </p:pic>
     </p:spTree>
   </p:cSld>
   <p:clrMapOvr>
@@ -2693,8 +2715,8 @@
         </p:nvSpPr>
         <p:spPr>
           <a:xfrm>
-            <a:off x="311700" y="1474833"/>
-            <a:ext cx="8520600" cy="2618100"/>
+            <a:off x="415600" y="1474833"/>
+            <a:ext cx="11360800" cy="2618100"/>
           </a:xfrm>
           <a:prstGeom prst="rect">
             <a:avLst/>
@@ -2824,8 +2846,8 @@
         </p:nvSpPr>
         <p:spPr>
           <a:xfrm>
-            <a:off x="311700" y="4202967"/>
-            <a:ext cx="8520600" cy="1734300"/>
+            <a:off x="415600" y="4202967"/>
+            <a:ext cx="11360800" cy="1734300"/>
           </a:xfrm>
           <a:prstGeom prst="rect">
             <a:avLst/>
@@ -2953,8 +2975,8 @@
         </p:nvSpPr>
         <p:spPr>
           <a:xfrm>
-            <a:off x="8472458" y="6217622"/>
-            <a:ext cx="548700" cy="524700"/>
+            <a:off x="11296611" y="6217622"/>
+            <a:ext cx="731600" cy="524700"/>
           </a:xfrm>
           <a:prstGeom prst="rect">
             <a:avLst/>
@@ -3003,20 +3025,12 @@
             </a:lvl9pPr>
           </a:lstStyle>
           <a:p>
-            <a:pPr marL="0" lvl="0" indent="0" algn="r" rtl="0">
-              <a:spcBef>
-                <a:spcPts val="0"/>
-              </a:spcBef>
-              <a:spcAft>
-                <a:spcPts val="0"/>
-              </a:spcAft>
-              <a:buNone/>
-            </a:pPr>
             <a:fld id="{00000000-1234-1234-1234-123412341234}" type="slidenum">
-              <a:rPr lang="en"/>
+              <a:rPr lang="en" smtClean="0"/>
+              <a:pPr/>
               <a:t>‹#›</a:t>
             </a:fld>
-            <a:endParaRPr/>
+            <a:endParaRPr lang="en"/>
           </a:p>
         </p:txBody>
       </p:sp>
@@ -3057,8 +3071,8 @@
         </p:nvSpPr>
         <p:spPr>
           <a:xfrm>
-            <a:off x="8472458" y="6217622"/>
-            <a:ext cx="548700" cy="524700"/>
+            <a:off x="11296611" y="6217622"/>
+            <a:ext cx="731600" cy="524700"/>
           </a:xfrm>
           <a:prstGeom prst="rect">
             <a:avLst/>
@@ -3107,20 +3121,12 @@
             </a:lvl9pPr>
           </a:lstStyle>
           <a:p>
-            <a:pPr marL="0" lvl="0" indent="0" algn="r" rtl="0">
-              <a:spcBef>
-                <a:spcPts val="0"/>
-              </a:spcBef>
-              <a:spcAft>
-                <a:spcPts val="0"/>
-              </a:spcAft>
-              <a:buNone/>
-            </a:pPr>
             <a:fld id="{00000000-1234-1234-1234-123412341234}" type="slidenum">
-              <a:rPr lang="en"/>
+              <a:rPr lang="en" smtClean="0"/>
+              <a:pPr/>
               <a:t>‹#›</a:t>
             </a:fld>
-            <a:endParaRPr/>
+            <a:endParaRPr lang="en"/>
           </a:p>
         </p:txBody>
       </p:sp>
@@ -3161,8 +3167,8 @@
         </p:nvSpPr>
         <p:spPr>
           <a:xfrm>
-            <a:off x="311700" y="2867800"/>
-            <a:ext cx="8520600" cy="1122300"/>
+            <a:off x="415600" y="2867800"/>
+            <a:ext cx="11360800" cy="1122300"/>
           </a:xfrm>
           <a:prstGeom prst="rect">
             <a:avLst/>
@@ -3290,8 +3296,8 @@
         </p:nvSpPr>
         <p:spPr>
           <a:xfrm>
-            <a:off x="8472458" y="6217622"/>
-            <a:ext cx="548700" cy="524700"/>
+            <a:off x="11296611" y="6217622"/>
+            <a:ext cx="731600" cy="524700"/>
           </a:xfrm>
           <a:prstGeom prst="rect">
             <a:avLst/>
@@ -3340,20 +3346,12 @@
             </a:lvl9pPr>
           </a:lstStyle>
           <a:p>
-            <a:pPr marL="0" lvl="0" indent="0" algn="r" rtl="0">
-              <a:spcBef>
-                <a:spcPts val="0"/>
-              </a:spcBef>
-              <a:spcAft>
-                <a:spcPts val="0"/>
-              </a:spcAft>
-              <a:buNone/>
-            </a:pPr>
             <a:fld id="{00000000-1234-1234-1234-123412341234}" type="slidenum">
-              <a:rPr lang="en"/>
+              <a:rPr lang="en" smtClean="0"/>
+              <a:pPr/>
               <a:t>‹#›</a:t>
             </a:fld>
-            <a:endParaRPr/>
+            <a:endParaRPr lang="en"/>
           </a:p>
         </p:txBody>
       </p:sp>
@@ -3394,8 +3392,8 @@
         </p:nvSpPr>
         <p:spPr>
           <a:xfrm>
-            <a:off x="311700" y="593367"/>
-            <a:ext cx="8520600" cy="763500"/>
+            <a:off x="415600" y="593367"/>
+            <a:ext cx="11360800" cy="763500"/>
           </a:xfrm>
           <a:prstGeom prst="rect">
             <a:avLst/>
@@ -3523,8 +3521,8 @@
         </p:nvSpPr>
         <p:spPr>
           <a:xfrm>
-            <a:off x="311700" y="1536633"/>
-            <a:ext cx="8520600" cy="4555200"/>
+            <a:off x="415600" y="1536633"/>
+            <a:ext cx="11360800" cy="4555200"/>
           </a:xfrm>
           <a:prstGeom prst="rect">
             <a:avLst/>
@@ -3652,8 +3650,8 @@
         </p:nvSpPr>
         <p:spPr>
           <a:xfrm>
-            <a:off x="8472458" y="6217622"/>
-            <a:ext cx="548700" cy="524700"/>
+            <a:off x="11296611" y="6217622"/>
+            <a:ext cx="731600" cy="524700"/>
           </a:xfrm>
           <a:prstGeom prst="rect">
             <a:avLst/>
@@ -3702,20 +3700,12 @@
             </a:lvl9pPr>
           </a:lstStyle>
           <a:p>
-            <a:pPr marL="0" lvl="0" indent="0" algn="r" rtl="0">
-              <a:spcBef>
-                <a:spcPts val="0"/>
-              </a:spcBef>
-              <a:spcAft>
-                <a:spcPts val="0"/>
-              </a:spcAft>
-              <a:buNone/>
-            </a:pPr>
             <a:fld id="{00000000-1234-1234-1234-123412341234}" type="slidenum">
-              <a:rPr lang="en"/>
+              <a:rPr lang="en" smtClean="0"/>
+              <a:pPr/>
               <a:t>‹#›</a:t>
             </a:fld>
-            <a:endParaRPr/>
+            <a:endParaRPr lang="en"/>
           </a:p>
         </p:txBody>
       </p:sp>
@@ -3756,8 +3746,8 @@
         </p:nvSpPr>
         <p:spPr>
           <a:xfrm>
-            <a:off x="311700" y="593367"/>
-            <a:ext cx="8520600" cy="763500"/>
+            <a:off x="415600" y="593367"/>
+            <a:ext cx="11360800" cy="763500"/>
           </a:xfrm>
           <a:prstGeom prst="rect">
             <a:avLst/>
@@ -3885,8 +3875,8 @@
         </p:nvSpPr>
         <p:spPr>
           <a:xfrm>
-            <a:off x="311700" y="1536633"/>
-            <a:ext cx="3999900" cy="4555200"/>
+            <a:off x="415600" y="1536633"/>
+            <a:ext cx="5333200" cy="4555200"/>
           </a:xfrm>
           <a:prstGeom prst="rect">
             <a:avLst/>
@@ -4014,8 +4004,8 @@
         </p:nvSpPr>
         <p:spPr>
           <a:xfrm>
-            <a:off x="4832400" y="1536633"/>
-            <a:ext cx="3999900" cy="4555200"/>
+            <a:off x="6443200" y="1536633"/>
+            <a:ext cx="5333200" cy="4555200"/>
           </a:xfrm>
           <a:prstGeom prst="rect">
             <a:avLst/>
@@ -4143,8 +4133,8 @@
         </p:nvSpPr>
         <p:spPr>
           <a:xfrm>
-            <a:off x="8472458" y="6217622"/>
-            <a:ext cx="548700" cy="524700"/>
+            <a:off x="11296611" y="6217622"/>
+            <a:ext cx="731600" cy="524700"/>
           </a:xfrm>
           <a:prstGeom prst="rect">
             <a:avLst/>
@@ -4193,20 +4183,12 @@
             </a:lvl9pPr>
           </a:lstStyle>
           <a:p>
-            <a:pPr marL="0" lvl="0" indent="0" algn="r" rtl="0">
-              <a:spcBef>
-                <a:spcPts val="0"/>
-              </a:spcBef>
-              <a:spcAft>
-                <a:spcPts val="0"/>
-              </a:spcAft>
-              <a:buNone/>
-            </a:pPr>
             <a:fld id="{00000000-1234-1234-1234-123412341234}" type="slidenum">
-              <a:rPr lang="en"/>
+              <a:rPr lang="en" smtClean="0"/>
+              <a:pPr/>
               <a:t>‹#›</a:t>
             </a:fld>
-            <a:endParaRPr/>
+            <a:endParaRPr lang="en"/>
           </a:p>
         </p:txBody>
       </p:sp>
@@ -4247,8 +4229,8 @@
         </p:nvSpPr>
         <p:spPr>
           <a:xfrm>
-            <a:off x="311700" y="593367"/>
-            <a:ext cx="8520600" cy="763500"/>
+            <a:off x="415600" y="593367"/>
+            <a:ext cx="11360800" cy="763500"/>
           </a:xfrm>
           <a:prstGeom prst="rect">
             <a:avLst/>
@@ -4376,8 +4358,8 @@
         </p:nvSpPr>
         <p:spPr>
           <a:xfrm>
-            <a:off x="8472458" y="6217622"/>
-            <a:ext cx="548700" cy="524700"/>
+            <a:off x="11296611" y="6217622"/>
+            <a:ext cx="731600" cy="524700"/>
           </a:xfrm>
           <a:prstGeom prst="rect">
             <a:avLst/>
@@ -4426,20 +4408,12 @@
             </a:lvl9pPr>
           </a:lstStyle>
           <a:p>
-            <a:pPr marL="0" lvl="0" indent="0" algn="r" rtl="0">
-              <a:spcBef>
-                <a:spcPts val="0"/>
-              </a:spcBef>
-              <a:spcAft>
-                <a:spcPts val="0"/>
-              </a:spcAft>
-              <a:buNone/>
-            </a:pPr>
             <a:fld id="{00000000-1234-1234-1234-123412341234}" type="slidenum">
-              <a:rPr lang="en"/>
+              <a:rPr lang="en" smtClean="0"/>
+              <a:pPr/>
               <a:t>‹#›</a:t>
             </a:fld>
-            <a:endParaRPr/>
+            <a:endParaRPr lang="en"/>
           </a:p>
         </p:txBody>
       </p:sp>
@@ -4480,8 +4454,8 @@
         </p:nvSpPr>
         <p:spPr>
           <a:xfrm>
-            <a:off x="311700" y="740800"/>
-            <a:ext cx="2808000" cy="1007700"/>
+            <a:off x="415600" y="740800"/>
+            <a:ext cx="3744000" cy="1007700"/>
           </a:xfrm>
           <a:prstGeom prst="rect">
             <a:avLst/>
@@ -4609,8 +4583,8 @@
         </p:nvSpPr>
         <p:spPr>
           <a:xfrm>
-            <a:off x="311700" y="1852800"/>
-            <a:ext cx="2808000" cy="4239300"/>
+            <a:off x="415600" y="1852800"/>
+            <a:ext cx="3744000" cy="4239300"/>
           </a:xfrm>
           <a:prstGeom prst="rect">
             <a:avLst/>
@@ -4738,8 +4712,8 @@
         </p:nvSpPr>
         <p:spPr>
           <a:xfrm>
-            <a:off x="8472458" y="6217622"/>
-            <a:ext cx="548700" cy="524700"/>
+            <a:off x="11296611" y="6217622"/>
+            <a:ext cx="731600" cy="524700"/>
           </a:xfrm>
           <a:prstGeom prst="rect">
             <a:avLst/>
@@ -4788,20 +4762,12 @@
             </a:lvl9pPr>
           </a:lstStyle>
           <a:p>
-            <a:pPr marL="0" lvl="0" indent="0" algn="r" rtl="0">
-              <a:spcBef>
-                <a:spcPts val="0"/>
-              </a:spcBef>
-              <a:spcAft>
-                <a:spcPts val="0"/>
-              </a:spcAft>
-              <a:buNone/>
-            </a:pPr>
             <a:fld id="{00000000-1234-1234-1234-123412341234}" type="slidenum">
-              <a:rPr lang="en"/>
+              <a:rPr lang="en" smtClean="0"/>
+              <a:pPr/>
               <a:t>‹#›</a:t>
             </a:fld>
-            <a:endParaRPr/>
+            <a:endParaRPr lang="en"/>
           </a:p>
         </p:txBody>
       </p:sp>
@@ -4842,8 +4808,8 @@
         </p:nvSpPr>
         <p:spPr>
           <a:xfrm>
-            <a:off x="490250" y="600200"/>
-            <a:ext cx="6367800" cy="5454300"/>
+            <a:off x="653667" y="600200"/>
+            <a:ext cx="8490400" cy="5454300"/>
           </a:xfrm>
           <a:prstGeom prst="rect">
             <a:avLst/>
@@ -4971,8 +4937,8 @@
         </p:nvSpPr>
         <p:spPr>
           <a:xfrm>
-            <a:off x="8472458" y="6217622"/>
-            <a:ext cx="548700" cy="524700"/>
+            <a:off x="11296611" y="6217622"/>
+            <a:ext cx="731600" cy="524700"/>
           </a:xfrm>
           <a:prstGeom prst="rect">
             <a:avLst/>
@@ -5021,20 +4987,12 @@
             </a:lvl9pPr>
           </a:lstStyle>
           <a:p>
-            <a:pPr marL="0" lvl="0" indent="0" algn="r" rtl="0">
-              <a:spcBef>
-                <a:spcPts val="0"/>
-              </a:spcBef>
-              <a:spcAft>
-                <a:spcPts val="0"/>
-              </a:spcAft>
-              <a:buNone/>
-            </a:pPr>
             <a:fld id="{00000000-1234-1234-1234-123412341234}" type="slidenum">
-              <a:rPr lang="en"/>
+              <a:rPr lang="en" smtClean="0"/>
+              <a:pPr/>
               <a:t>‹#›</a:t>
             </a:fld>
-            <a:endParaRPr/>
+            <a:endParaRPr lang="en"/>
           </a:p>
         </p:txBody>
       </p:sp>
@@ -5071,8 +5029,8 @@
         </p:nvSpPr>
         <p:spPr>
           <a:xfrm>
-            <a:off x="4572000" y="-167"/>
-            <a:ext cx="4572000" cy="6858000"/>
+            <a:off x="6096000" y="-167"/>
+            <a:ext cx="6096000" cy="6858000"/>
           </a:xfrm>
           <a:prstGeom prst="rect">
             <a:avLst/>
@@ -5099,7 +5057,7 @@
               </a:spcAft>
               <a:buNone/>
             </a:pPr>
-            <a:endParaRPr/>
+            <a:endParaRPr sz="1400"/>
           </a:p>
         </p:txBody>
       </p:sp>
@@ -5115,8 +5073,8 @@
         </p:nvSpPr>
         <p:spPr>
           <a:xfrm>
-            <a:off x="265500" y="1644233"/>
-            <a:ext cx="4045200" cy="1976400"/>
+            <a:off x="354000" y="1644233"/>
+            <a:ext cx="5393600" cy="1976400"/>
           </a:xfrm>
           <a:prstGeom prst="rect">
             <a:avLst/>
@@ -5244,8 +5202,8 @@
         </p:nvSpPr>
         <p:spPr>
           <a:xfrm>
-            <a:off x="265500" y="3737433"/>
-            <a:ext cx="4045200" cy="1646700"/>
+            <a:off x="354000" y="3737433"/>
+            <a:ext cx="5393600" cy="1646700"/>
           </a:xfrm>
           <a:prstGeom prst="rect">
             <a:avLst/>
@@ -5400,8 +5358,8 @@
         </p:nvSpPr>
         <p:spPr>
           <a:xfrm>
-            <a:off x="4939500" y="965433"/>
-            <a:ext cx="3837000" cy="4926900"/>
+            <a:off x="6586000" y="965433"/>
+            <a:ext cx="5116000" cy="4926900"/>
           </a:xfrm>
           <a:prstGeom prst="rect">
             <a:avLst/>
@@ -5529,8 +5487,8 @@
         </p:nvSpPr>
         <p:spPr>
           <a:xfrm>
-            <a:off x="8472458" y="6217622"/>
-            <a:ext cx="548700" cy="524700"/>
+            <a:off x="11296611" y="6217622"/>
+            <a:ext cx="731600" cy="524700"/>
           </a:xfrm>
           <a:prstGeom prst="rect">
             <a:avLst/>
@@ -5579,20 +5537,12 @@
             </a:lvl9pPr>
           </a:lstStyle>
           <a:p>
-            <a:pPr marL="0" lvl="0" indent="0" algn="r" rtl="0">
-              <a:spcBef>
-                <a:spcPts val="0"/>
-              </a:spcBef>
-              <a:spcAft>
-                <a:spcPts val="0"/>
-              </a:spcAft>
-              <a:buNone/>
-            </a:pPr>
             <a:fld id="{00000000-1234-1234-1234-123412341234}" type="slidenum">
-              <a:rPr lang="en"/>
+              <a:rPr lang="en" smtClean="0"/>
+              <a:pPr/>
               <a:t>‹#›</a:t>
             </a:fld>
-            <a:endParaRPr/>
+            <a:endParaRPr lang="en"/>
           </a:p>
         </p:txBody>
       </p:sp>
@@ -5633,8 +5583,8 @@
         </p:nvSpPr>
         <p:spPr>
           <a:xfrm>
-            <a:off x="311700" y="5640767"/>
-            <a:ext cx="5998800" cy="806700"/>
+            <a:off x="415600" y="5640767"/>
+            <a:ext cx="7998400" cy="806700"/>
           </a:xfrm>
           <a:prstGeom prst="rect">
             <a:avLst/>
@@ -5677,8 +5627,8 @@
         </p:nvSpPr>
         <p:spPr>
           <a:xfrm>
-            <a:off x="8472458" y="6217622"/>
-            <a:ext cx="548700" cy="524700"/>
+            <a:off x="11296611" y="6217622"/>
+            <a:ext cx="731600" cy="524700"/>
           </a:xfrm>
           <a:prstGeom prst="rect">
             <a:avLst/>
@@ -5727,20 +5677,12 @@
             </a:lvl9pPr>
           </a:lstStyle>
           <a:p>
-            <a:pPr marL="0" lvl="0" indent="0" algn="r" rtl="0">
-              <a:spcBef>
-                <a:spcPts val="0"/>
-              </a:spcBef>
-              <a:spcAft>
-                <a:spcPts val="0"/>
-              </a:spcAft>
-              <a:buNone/>
-            </a:pPr>
             <a:fld id="{00000000-1234-1234-1234-123412341234}" type="slidenum">
-              <a:rPr lang="en"/>
+              <a:rPr lang="en" smtClean="0"/>
+              <a:pPr/>
               <a:t>‹#›</a:t>
             </a:fld>
-            <a:endParaRPr/>
+            <a:endParaRPr lang="en"/>
           </a:p>
         </p:txBody>
       </p:sp>
@@ -5789,8 +5731,8 @@
         </p:nvSpPr>
         <p:spPr>
           <a:xfrm>
-            <a:off x="311700" y="593367"/>
-            <a:ext cx="8520600" cy="763500"/>
+            <a:off x="415600" y="593367"/>
+            <a:ext cx="11360800" cy="763500"/>
           </a:xfrm>
           <a:prstGeom prst="rect">
             <a:avLst/>
@@ -5985,8 +5927,8 @@
         </p:nvSpPr>
         <p:spPr>
           <a:xfrm>
-            <a:off x="311700" y="1536633"/>
-            <a:ext cx="8520600" cy="4555200"/>
+            <a:off x="415600" y="1536633"/>
+            <a:ext cx="11360800" cy="4555200"/>
           </a:xfrm>
           <a:prstGeom prst="rect">
             <a:avLst/>
@@ -6208,8 +6150,8 @@
         </p:nvSpPr>
         <p:spPr>
           <a:xfrm>
-            <a:off x="8472458" y="6217622"/>
-            <a:ext cx="548700" cy="524700"/>
+            <a:off x="11296611" y="6217622"/>
+            <a:ext cx="731600" cy="524700"/>
           </a:xfrm>
           <a:prstGeom prst="rect">
             <a:avLst/>
@@ -6298,20 +6240,121 @@
             </a:lvl9pPr>
           </a:lstStyle>
           <a:p>
-            <a:pPr marL="0" lvl="0" indent="0" algn="r" rtl="0">
-              <a:spcBef>
-                <a:spcPts val="0"/>
-              </a:spcBef>
-              <a:spcAft>
-                <a:spcPts val="0"/>
-              </a:spcAft>
-              <a:buNone/>
-            </a:pPr>
             <a:fld id="{00000000-1234-1234-1234-123412341234}" type="slidenum">
-              <a:rPr lang="en"/>
+              <a:rPr lang="en" smtClean="0"/>
+              <a:pPr/>
               <a:t>‹#›</a:t>
             </a:fld>
-            <a:endParaRPr/>
+            <a:endParaRPr lang="en"/>
+          </a:p>
+        </p:txBody>
+      </p:sp>
+      <p:cxnSp>
+        <p:nvCxnSpPr>
+          <p:cNvPr id="2" name="직선 연결선 1">
+            <a:extLst>
+              <a:ext uri="{FF2B5EF4-FFF2-40B4-BE49-F238E27FC236}">
+                <a16:creationId xmlns:a16="http://schemas.microsoft.com/office/drawing/2014/main" id="{27B26FC6-3759-28C5-E496-056335A81E4B}"/>
+              </a:ext>
+            </a:extLst>
+          </p:cNvPr>
+          <p:cNvCxnSpPr>
+            <a:cxnSpLocks/>
+          </p:cNvCxnSpPr>
+          <p:nvPr userDrawn="1"/>
+        </p:nvCxnSpPr>
+        <p:spPr>
+          <a:xfrm>
+            <a:off x="0" y="365125"/>
+            <a:ext cx="10582183" cy="0"/>
+          </a:xfrm>
+          <a:prstGeom prst="line">
+            <a:avLst/>
+          </a:prstGeom>
+          <a:ln w="38100"/>
+        </p:spPr>
+        <p:style>
+          <a:lnRef idx="1">
+            <a:schemeClr val="accent1"/>
+          </a:lnRef>
+          <a:fillRef idx="0">
+            <a:schemeClr val="accent1"/>
+          </a:fillRef>
+          <a:effectRef idx="0">
+            <a:schemeClr val="accent1"/>
+          </a:effectRef>
+          <a:fontRef idx="minor">
+            <a:schemeClr val="tx1"/>
+          </a:fontRef>
+        </p:style>
+      </p:cxnSp>
+      <p:pic>
+        <p:nvPicPr>
+          <p:cNvPr id="3" name="그림 2">
+            <a:extLst>
+              <a:ext uri="{FF2B5EF4-FFF2-40B4-BE49-F238E27FC236}">
+                <a16:creationId xmlns:a16="http://schemas.microsoft.com/office/drawing/2014/main" id="{21919D15-1AD8-0D5B-14DA-149422ABD638}"/>
+              </a:ext>
+            </a:extLst>
+          </p:cNvPr>
+          <p:cNvPicPr>
+            <a:picLocks noChangeAspect="1"/>
+          </p:cNvPicPr>
+          <p:nvPr userDrawn="1"/>
+        </p:nvPicPr>
+        <p:blipFill>
+          <a:blip r:embed="rId13"/>
+          <a:stretch>
+            <a:fillRect/>
+          </a:stretch>
+        </p:blipFill>
+        <p:spPr>
+          <a:xfrm>
+            <a:off x="10758910" y="129799"/>
+            <a:ext cx="1189780" cy="470650"/>
+          </a:xfrm>
+          <a:prstGeom prst="rect">
+            <a:avLst/>
+          </a:prstGeom>
+        </p:spPr>
+      </p:pic>
+      <p:sp>
+        <p:nvSpPr>
+          <p:cNvPr id="4" name="TextBox 3">
+            <a:extLst>
+              <a:ext uri="{FF2B5EF4-FFF2-40B4-BE49-F238E27FC236}">
+                <a16:creationId xmlns:a16="http://schemas.microsoft.com/office/drawing/2014/main" id="{1C3DA30C-05C1-57C2-710F-25212A579A0A}"/>
+              </a:ext>
+            </a:extLst>
+          </p:cNvPr>
+          <p:cNvSpPr txBox="1"/>
+          <p:nvPr userDrawn="1"/>
+        </p:nvSpPr>
+        <p:spPr>
+          <a:xfrm>
+            <a:off x="5112397" y="6409678"/>
+            <a:ext cx="1967205" cy="307777"/>
+          </a:xfrm>
+          <a:prstGeom prst="rect">
+            <a:avLst/>
+          </a:prstGeom>
+          <a:noFill/>
+        </p:spPr>
+        <p:txBody>
+          <a:bodyPr wrap="none" rtlCol="0">
+            <a:spAutoFit/>
+          </a:bodyPr>
+          <a:lstStyle/>
+          <a:p>
+            <a:r>
+              <a:rPr lang="en-US" altLang="ko-KR" sz="1400" b="0" dirty="0"/>
+              <a:t>Copyright 2022 </a:t>
+            </a:r>
+            <a:r>
+              <a:rPr lang="en-US" altLang="ko-KR" sz="1400" b="0" dirty="0" err="1"/>
+              <a:t>jdedu</a:t>
+            </a:r>
+            <a:endParaRPr lang="ko-KR" altLang="en-US" sz="1400" b="0" dirty="0"/>
           </a:p>
         </p:txBody>
       </p:sp>
@@ -7053,7 +7096,7 @@
         </p:nvSpPr>
         <p:spPr>
           <a:xfrm>
-            <a:off x="311708" y="992767"/>
+            <a:off x="1835708" y="992767"/>
             <a:ext cx="8520600" cy="2736900"/>
           </a:xfrm>
           <a:prstGeom prst="rect">
@@ -7066,15 +7109,6 @@
           </a:bodyPr>
           <a:lstStyle/>
           <a:p>
-            <a:pPr marL="0" lvl="0" indent="0" algn="ctr" rtl="0">
-              <a:spcBef>
-                <a:spcPts val="0"/>
-              </a:spcBef>
-              <a:spcAft>
-                <a:spcPts val="0"/>
-              </a:spcAft>
-              <a:buNone/>
-            </a:pPr>
             <a:r>
               <a:rPr lang="en" sz="4700" b="1">
                 <a:solidFill>
@@ -7090,86 +7124,10 @@
             <a:endParaRPr b="1"/>
           </a:p>
           <a:p>
-            <a:pPr marL="0" lvl="0" indent="0" algn="ctr" rtl="0">
-              <a:spcBef>
-                <a:spcPts val="0"/>
-              </a:spcBef>
-              <a:spcAft>
-                <a:spcPts val="0"/>
-              </a:spcAft>
-              <a:buNone/>
-            </a:pPr>
             <a:r>
               <a:rPr lang="en" b="1"/>
               <a:t>리스트 </a:t>
             </a:r>
-            <a:endParaRPr b="1"/>
-          </a:p>
-        </p:txBody>
-      </p:sp>
-      <p:sp>
-        <p:nvSpPr>
-          <p:cNvPr id="55" name="Google Shape;55;p13"/>
-          <p:cNvSpPr txBox="1">
-            <a:spLocks noGrp="1"/>
-          </p:cNvSpPr>
-          <p:nvPr>
-            <p:ph type="subTitle" idx="1"/>
-          </p:nvPr>
-        </p:nvSpPr>
-        <p:spPr>
-          <a:xfrm>
-            <a:off x="311700" y="4083633"/>
-            <a:ext cx="8520600" cy="1056900"/>
-          </a:xfrm>
-          <a:prstGeom prst="rect">
-            <a:avLst/>
-          </a:prstGeom>
-        </p:spPr>
-        <p:txBody>
-          <a:bodyPr spcFirstLastPara="1" wrap="square" lIns="91425" tIns="91425" rIns="91425" bIns="91425" anchor="t" anchorCtr="0">
-            <a:normAutofit/>
-          </a:bodyPr>
-          <a:lstStyle/>
-          <a:p>
-            <a:pPr marL="0" lvl="0" indent="0" algn="ctr" rtl="0">
-              <a:spcBef>
-                <a:spcPts val="0"/>
-              </a:spcBef>
-              <a:spcAft>
-                <a:spcPts val="0"/>
-              </a:spcAft>
-              <a:buClr>
-                <a:schemeClr val="dk1"/>
-              </a:buClr>
-              <a:buSzPts val="1100"/>
-              <a:buFont typeface="Arial"/>
-              <a:buNone/>
-            </a:pPr>
-            <a:r>
-              <a:rPr lang="en" b="1">
-                <a:solidFill>
-                  <a:srgbClr val="0000FF"/>
-                </a:solidFill>
-              </a:rPr>
-              <a:t>JD Edu</a:t>
-            </a:r>
-            <a:endParaRPr b="1">
-              <a:solidFill>
-                <a:srgbClr val="0000FF"/>
-              </a:solidFill>
-            </a:endParaRPr>
-          </a:p>
-          <a:p>
-            <a:pPr marL="0" lvl="0" indent="0" algn="ctr" rtl="0">
-              <a:spcBef>
-                <a:spcPts val="0"/>
-              </a:spcBef>
-              <a:spcAft>
-                <a:spcPts val="0"/>
-              </a:spcAft>
-              <a:buNone/>
-            </a:pPr>
             <a:endParaRPr b="1"/>
           </a:p>
         </p:txBody>
@@ -7211,7 +7169,7 @@
         </p:nvSpPr>
         <p:spPr>
           <a:xfrm>
-            <a:off x="311700" y="593367"/>
+            <a:off x="1835700" y="593367"/>
             <a:ext cx="8520600" cy="763500"/>
           </a:xfrm>
           <a:prstGeom prst="rect">
@@ -7224,15 +7182,6 @@
           </a:bodyPr>
           <a:lstStyle/>
           <a:p>
-            <a:pPr marL="0" lvl="0" indent="0" algn="l" rtl="0">
-              <a:spcBef>
-                <a:spcPts val="0"/>
-              </a:spcBef>
-              <a:spcAft>
-                <a:spcPts val="0"/>
-              </a:spcAft>
-              <a:buNone/>
-            </a:pPr>
             <a:r>
               <a:rPr lang="en" b="1"/>
               <a:t>리스트 변수에서 항목 지우기 </a:t>
@@ -7253,7 +7202,7 @@
         </p:nvSpPr>
         <p:spPr>
           <a:xfrm>
-            <a:off x="311700" y="1536633"/>
+            <a:off x="1835700" y="1536633"/>
             <a:ext cx="8520600" cy="4555200"/>
           </a:xfrm>
           <a:prstGeom prst="rect">
@@ -7266,16 +7215,6 @@
           </a:bodyPr>
           <a:lstStyle/>
           <a:p>
-            <a:pPr marL="457200" lvl="0" indent="-342900" algn="l" rtl="0">
-              <a:spcBef>
-                <a:spcPts val="0"/>
-              </a:spcBef>
-              <a:spcAft>
-                <a:spcPts val="0"/>
-              </a:spcAft>
-              <a:buSzPts val="1800"/>
-              <a:buChar char="●"/>
-            </a:pPr>
             <a:r>
               <a:rPr lang="en" dirty="0"/>
               <a:t>리스트변수에서 항목을 지우려면 다음 두가지 명령을 사용합니다.</a:t>
@@ -7283,13 +7222,10 @@
             <a:endParaRPr dirty="0"/>
           </a:p>
           <a:p>
-            <a:pPr marL="457200" lvl="0" indent="0" algn="l" rtl="0">
+            <a:pPr indent="0">
               <a:spcBef>
                 <a:spcPts val="1200"/>
               </a:spcBef>
-              <a:spcAft>
-                <a:spcPts val="0"/>
-              </a:spcAft>
               <a:buNone/>
             </a:pPr>
             <a:r>
@@ -7299,13 +7235,10 @@
             <a:endParaRPr dirty="0"/>
           </a:p>
           <a:p>
-            <a:pPr marL="457200" lvl="0" indent="0" algn="l" rtl="0">
+            <a:pPr indent="0">
               <a:spcBef>
                 <a:spcPts val="1200"/>
               </a:spcBef>
-              <a:spcAft>
-                <a:spcPts val="0"/>
-              </a:spcAft>
               <a:buNone/>
             </a:pPr>
             <a:r>
@@ -7315,15 +7248,10 @@
             <a:endParaRPr dirty="0"/>
           </a:p>
           <a:p>
-            <a:pPr marL="457200" lvl="0" indent="-342900" algn="l" rtl="0">
+            <a:pPr>
               <a:spcBef>
                 <a:spcPts val="1200"/>
               </a:spcBef>
-              <a:spcAft>
-                <a:spcPts val="0"/>
-              </a:spcAft>
-              <a:buSzPts val="1800"/>
-              <a:buChar char="●"/>
             </a:pPr>
             <a:r>
               <a:rPr lang="en" dirty="0"/>
@@ -7332,13 +7260,10 @@
             <a:endParaRPr dirty="0"/>
           </a:p>
           <a:p>
-            <a:pPr marL="457200" lvl="0" indent="0" algn="l" rtl="0">
+            <a:pPr indent="0">
               <a:spcBef>
                 <a:spcPts val="1200"/>
               </a:spcBef>
-              <a:spcAft>
-                <a:spcPts val="0"/>
-              </a:spcAft>
               <a:buNone/>
             </a:pPr>
             <a:r>
@@ -7356,13 +7281,10 @@
             </a:endParaRPr>
           </a:p>
           <a:p>
-            <a:pPr marL="457200" lvl="0" indent="0" algn="l" rtl="0">
+            <a:pPr indent="0">
               <a:spcBef>
                 <a:spcPts val="1200"/>
               </a:spcBef>
-              <a:spcAft>
-                <a:spcPts val="0"/>
-              </a:spcAft>
               <a:buNone/>
             </a:pPr>
             <a:r>
@@ -7380,13 +7302,10 @@
             </a:endParaRPr>
           </a:p>
           <a:p>
-            <a:pPr marL="457200" lvl="0" indent="0" algn="l" rtl="0">
+            <a:pPr indent="0">
               <a:spcBef>
                 <a:spcPts val="1200"/>
               </a:spcBef>
-              <a:spcAft>
-                <a:spcPts val="0"/>
-              </a:spcAft>
               <a:buNone/>
             </a:pPr>
             <a:r>
@@ -7404,13 +7323,10 @@
             </a:endParaRPr>
           </a:p>
           <a:p>
-            <a:pPr marL="457200" lvl="0" indent="0" algn="l" rtl="0">
+            <a:pPr indent="0">
               <a:spcBef>
                 <a:spcPts val="1200"/>
               </a:spcBef>
-              <a:spcAft>
-                <a:spcPts val="0"/>
-              </a:spcAft>
               <a:buNone/>
             </a:pPr>
             <a:r>
@@ -7428,7 +7344,7 @@
             </a:endParaRPr>
           </a:p>
           <a:p>
-            <a:pPr marL="457200" lvl="0" indent="0" algn="l" rtl="0">
+            <a:pPr indent="0">
               <a:spcBef>
                 <a:spcPts val="1200"/>
               </a:spcBef>
@@ -7478,7 +7394,7 @@
         </p:nvSpPr>
         <p:spPr>
           <a:xfrm>
-            <a:off x="348775" y="574817"/>
+            <a:off x="1872775" y="574817"/>
             <a:ext cx="8520600" cy="763500"/>
           </a:xfrm>
           <a:prstGeom prst="rect">
@@ -7491,19 +7407,8 @@
           </a:bodyPr>
           <a:lstStyle/>
           <a:p>
-            <a:pPr marL="0" lvl="0" indent="0" algn="l" rtl="0">
-              <a:spcBef>
-                <a:spcPts val="0"/>
-              </a:spcBef>
-              <a:spcAft>
-                <a:spcPts val="0"/>
-              </a:spcAft>
-              <a:buClr>
-                <a:schemeClr val="dk1"/>
-              </a:buClr>
+            <a:pPr>
               <a:buSzPts val="1100"/>
-              <a:buFont typeface="Arial"/>
-              <a:buNone/>
             </a:pPr>
             <a:r>
               <a:rPr lang="en" b="1"/>
@@ -7525,7 +7430,7 @@
         </p:nvSpPr>
         <p:spPr>
           <a:xfrm>
-            <a:off x="311700" y="1536633"/>
+            <a:off x="1835700" y="1536633"/>
             <a:ext cx="8520600" cy="4555200"/>
           </a:xfrm>
           <a:prstGeom prst="rect">
@@ -7538,16 +7443,6 @@
           </a:bodyPr>
           <a:lstStyle/>
           <a:p>
-            <a:pPr marL="457200" lvl="0" indent="-342900" algn="l" rtl="0">
-              <a:spcBef>
-                <a:spcPts val="0"/>
-              </a:spcBef>
-              <a:spcAft>
-                <a:spcPts val="0"/>
-              </a:spcAft>
-              <a:buSzPts val="1800"/>
-              <a:buChar char="●"/>
-            </a:pPr>
             <a:r>
               <a:rPr lang="en"/>
               <a:t>del(): 인덱스 번호를 가지고 해당 항목을 삭제할 수 있습니다. </a:t>
@@ -7555,18 +7450,14 @@
             <a:endParaRPr/>
           </a:p>
           <a:p>
-            <a:pPr marL="457200" lvl="0" indent="0" algn="l" rtl="0">
+            <a:pPr indent="0">
               <a:spcBef>
                 <a:spcPts val="1200"/>
               </a:spcBef>
-              <a:spcAft>
-                <a:spcPts val="0"/>
-              </a:spcAft>
               <a:buClr>
                 <a:schemeClr val="dk1"/>
               </a:buClr>
               <a:buSzPts val="1100"/>
-              <a:buFont typeface="Arial"/>
               <a:buNone/>
             </a:pPr>
             <a:r>
@@ -7584,18 +7475,14 @@
             </a:endParaRPr>
           </a:p>
           <a:p>
-            <a:pPr marL="457200" lvl="0" indent="0" algn="l" rtl="0">
+            <a:pPr indent="0">
               <a:spcBef>
                 <a:spcPts val="1200"/>
               </a:spcBef>
-              <a:spcAft>
-                <a:spcPts val="0"/>
-              </a:spcAft>
               <a:buClr>
                 <a:schemeClr val="dk1"/>
               </a:buClr>
               <a:buSzPts val="1100"/>
-              <a:buFont typeface="Arial"/>
               <a:buNone/>
             </a:pPr>
             <a:r>
@@ -7613,18 +7500,14 @@
             </a:endParaRPr>
           </a:p>
           <a:p>
-            <a:pPr marL="457200" lvl="0" indent="0" algn="l" rtl="0">
+            <a:pPr indent="0">
               <a:spcBef>
                 <a:spcPts val="1200"/>
               </a:spcBef>
-              <a:spcAft>
-                <a:spcPts val="0"/>
-              </a:spcAft>
               <a:buClr>
                 <a:schemeClr val="dk1"/>
               </a:buClr>
               <a:buSzPts val="1100"/>
-              <a:buFont typeface="Arial"/>
               <a:buNone/>
             </a:pPr>
             <a:r>
@@ -7642,18 +7525,14 @@
             </a:endParaRPr>
           </a:p>
           <a:p>
-            <a:pPr marL="457200" lvl="0" indent="0" algn="l" rtl="0">
+            <a:pPr indent="0">
               <a:spcBef>
                 <a:spcPts val="1200"/>
               </a:spcBef>
-              <a:spcAft>
-                <a:spcPts val="0"/>
-              </a:spcAft>
               <a:buClr>
                 <a:schemeClr val="dk1"/>
               </a:buClr>
               <a:buSzPts val="1100"/>
-              <a:buFont typeface="Arial"/>
               <a:buNone/>
             </a:pPr>
             <a:r>
@@ -7671,7 +7550,7 @@
             </a:endParaRPr>
           </a:p>
           <a:p>
-            <a:pPr marL="0" lvl="0" indent="0" algn="l" rtl="0">
+            <a:pPr marL="0" indent="0">
               <a:spcBef>
                 <a:spcPts val="1200"/>
               </a:spcBef>
@@ -7721,7 +7600,7 @@
         </p:nvSpPr>
         <p:spPr>
           <a:xfrm>
-            <a:off x="311700" y="593367"/>
+            <a:off x="1835700" y="593367"/>
             <a:ext cx="8520600" cy="763500"/>
           </a:xfrm>
           <a:prstGeom prst="rect">
@@ -7734,15 +7613,6 @@
           </a:bodyPr>
           <a:lstStyle/>
           <a:p>
-            <a:pPr marL="0" lvl="0" indent="0" algn="l" rtl="0">
-              <a:spcBef>
-                <a:spcPts val="0"/>
-              </a:spcBef>
-              <a:spcAft>
-                <a:spcPts val="0"/>
-              </a:spcAft>
-              <a:buNone/>
-            </a:pPr>
             <a:r>
               <a:rPr lang="en" b="1"/>
               <a:t>pop() 명령, index() 명령  </a:t>
@@ -7763,7 +7633,7 @@
         </p:nvSpPr>
         <p:spPr>
           <a:xfrm>
-            <a:off x="311700" y="1155623"/>
+            <a:off x="1835700" y="1155623"/>
             <a:ext cx="8520600" cy="5500500"/>
           </a:xfrm>
           <a:prstGeom prst="rect">
@@ -7776,16 +7646,6 @@
           </a:bodyPr>
           <a:lstStyle/>
           <a:p>
-            <a:pPr marL="457200" lvl="0" indent="-342900" algn="l" rtl="0">
-              <a:spcBef>
-                <a:spcPts val="0"/>
-              </a:spcBef>
-              <a:spcAft>
-                <a:spcPts val="0"/>
-              </a:spcAft>
-              <a:buSzPts val="1800"/>
-              <a:buChar char="●"/>
-            </a:pPr>
             <a:r>
               <a:rPr lang="en" dirty="0"/>
               <a:t>pop(): 리스트변수의 맨 뒷 항목을 삭제합니다. </a:t>
@@ -7793,13 +7653,10 @@
             <a:endParaRPr dirty="0"/>
           </a:p>
           <a:p>
-            <a:pPr marL="457200" lvl="0" indent="0" algn="l" rtl="0">
+            <a:pPr indent="0">
               <a:spcBef>
                 <a:spcPts val="1200"/>
               </a:spcBef>
-              <a:spcAft>
-                <a:spcPts val="0"/>
-              </a:spcAft>
               <a:buNone/>
             </a:pPr>
             <a:r>
@@ -7817,13 +7674,10 @@
             </a:endParaRPr>
           </a:p>
           <a:p>
-            <a:pPr marL="457200" lvl="0" indent="0" algn="l" rtl="0">
+            <a:pPr indent="0">
               <a:spcBef>
                 <a:spcPts val="1200"/>
               </a:spcBef>
-              <a:spcAft>
-                <a:spcPts val="0"/>
-              </a:spcAft>
               <a:buNone/>
             </a:pPr>
             <a:r>
@@ -7841,13 +7695,10 @@
             </a:endParaRPr>
           </a:p>
           <a:p>
-            <a:pPr marL="457200" lvl="0" indent="0" algn="l" rtl="0">
+            <a:pPr indent="0">
               <a:spcBef>
                 <a:spcPts val="1200"/>
               </a:spcBef>
-              <a:spcAft>
-                <a:spcPts val="0"/>
-              </a:spcAft>
               <a:buNone/>
             </a:pPr>
             <a:r>
@@ -7865,13 +7716,10 @@
             </a:endParaRPr>
           </a:p>
           <a:p>
-            <a:pPr marL="457200" lvl="0" indent="0" algn="l" rtl="0">
+            <a:pPr indent="0">
               <a:spcBef>
                 <a:spcPts val="1200"/>
               </a:spcBef>
-              <a:spcAft>
-                <a:spcPts val="0"/>
-              </a:spcAft>
               <a:buNone/>
             </a:pPr>
             <a:r>
@@ -7885,15 +7733,10 @@
             <a:endParaRPr dirty="0"/>
           </a:p>
           <a:p>
-            <a:pPr marL="457200" lvl="0" indent="-342900" algn="l" rtl="0">
+            <a:pPr>
               <a:spcBef>
                 <a:spcPts val="1200"/>
               </a:spcBef>
-              <a:spcAft>
-                <a:spcPts val="0"/>
-              </a:spcAft>
-              <a:buSzPts val="1800"/>
-              <a:buChar char="●"/>
             </a:pPr>
             <a:r>
               <a:rPr lang="en" dirty="0"/>
@@ -7902,13 +7745,10 @@
             <a:endParaRPr dirty="0"/>
           </a:p>
           <a:p>
-            <a:pPr marL="457200" lvl="0" indent="0" algn="l" rtl="0">
+            <a:pPr indent="0">
               <a:spcBef>
                 <a:spcPts val="1200"/>
               </a:spcBef>
-              <a:spcAft>
-                <a:spcPts val="0"/>
-              </a:spcAft>
               <a:buNone/>
             </a:pPr>
             <a:r>
@@ -7926,13 +7766,10 @@
             </a:endParaRPr>
           </a:p>
           <a:p>
-            <a:pPr marL="457200" lvl="0" indent="0" algn="l" rtl="0">
+            <a:pPr indent="0">
               <a:spcBef>
                 <a:spcPts val="1200"/>
               </a:spcBef>
-              <a:spcAft>
-                <a:spcPts val="0"/>
-              </a:spcAft>
               <a:buNone/>
             </a:pPr>
             <a:r>
@@ -7950,7 +7787,7 @@
             </a:endParaRPr>
           </a:p>
           <a:p>
-            <a:pPr marL="457200" lvl="0" indent="0" algn="l" rtl="0">
+            <a:pPr indent="0">
               <a:spcBef>
                 <a:spcPts val="1200"/>
               </a:spcBef>
@@ -8008,7 +7845,7 @@
         </p:nvSpPr>
         <p:spPr>
           <a:xfrm>
-            <a:off x="311700" y="593367"/>
+            <a:off x="1835700" y="593367"/>
             <a:ext cx="8520600" cy="763500"/>
           </a:xfrm>
           <a:prstGeom prst="rect">
@@ -8021,19 +7858,8 @@
           </a:bodyPr>
           <a:lstStyle/>
           <a:p>
-            <a:pPr marL="0" lvl="0" indent="0" algn="l" rtl="0">
-              <a:spcBef>
-                <a:spcPts val="0"/>
-              </a:spcBef>
-              <a:spcAft>
-                <a:spcPts val="0"/>
-              </a:spcAft>
-              <a:buClr>
-                <a:schemeClr val="dk1"/>
-              </a:buClr>
+            <a:pPr>
               <a:buSzPts val="1100"/>
-              <a:buFont typeface="Arial"/>
-              <a:buNone/>
             </a:pPr>
             <a:r>
               <a:rPr lang="en" b="1"/>
@@ -8055,7 +7881,7 @@
         </p:nvSpPr>
         <p:spPr>
           <a:xfrm>
-            <a:off x="311700" y="1536624"/>
+            <a:off x="1835700" y="1536624"/>
             <a:ext cx="8520600" cy="5321400"/>
           </a:xfrm>
           <a:prstGeom prst="rect">
@@ -8064,20 +7890,10 @@
         </p:spPr>
         <p:txBody>
           <a:bodyPr spcFirstLastPara="1" wrap="square" lIns="91425" tIns="91425" rIns="91425" bIns="91425" anchor="t" anchorCtr="0">
-            <a:normAutofit lnSpcReduction="10000"/>
+            <a:normAutofit/>
           </a:bodyPr>
           <a:lstStyle/>
           <a:p>
-            <a:pPr marL="457200" lvl="0" indent="-342900" algn="l" rtl="0">
-              <a:spcBef>
-                <a:spcPts val="0"/>
-              </a:spcBef>
-              <a:spcAft>
-                <a:spcPts val="0"/>
-              </a:spcAft>
-              <a:buSzPts val="1800"/>
-              <a:buChar char="●"/>
-            </a:pPr>
             <a:r>
               <a:rPr lang="en" dirty="0"/>
               <a:t>sort(): 리스트변수의 항목들을 오름차순으로 정렬합니다.</a:t>
@@ -8085,13 +7901,10 @@
             <a:endParaRPr dirty="0"/>
           </a:p>
           <a:p>
-            <a:pPr marL="457200" lvl="0" indent="0" algn="l" rtl="0">
+            <a:pPr indent="0">
               <a:spcBef>
                 <a:spcPts val="1200"/>
               </a:spcBef>
-              <a:spcAft>
-                <a:spcPts val="0"/>
-              </a:spcAft>
               <a:buNone/>
             </a:pPr>
             <a:r>
@@ -8109,13 +7922,10 @@
             </a:endParaRPr>
           </a:p>
           <a:p>
-            <a:pPr marL="457200" lvl="0" indent="0" algn="l" rtl="0">
+            <a:pPr indent="0">
               <a:spcBef>
                 <a:spcPts val="1200"/>
               </a:spcBef>
-              <a:spcAft>
-                <a:spcPts val="0"/>
-              </a:spcAft>
               <a:buNone/>
             </a:pPr>
             <a:r>
@@ -8133,13 +7943,10 @@
             </a:endParaRPr>
           </a:p>
           <a:p>
-            <a:pPr marL="457200" lvl="0" indent="0" algn="l" rtl="0">
+            <a:pPr indent="0">
               <a:spcBef>
                 <a:spcPts val="1200"/>
               </a:spcBef>
-              <a:spcAft>
-                <a:spcPts val="0"/>
-              </a:spcAft>
               <a:buNone/>
             </a:pPr>
             <a:r>
@@ -8157,13 +7964,10 @@
             </a:endParaRPr>
           </a:p>
           <a:p>
-            <a:pPr marL="457200" lvl="0" indent="0" algn="l" rtl="0">
+            <a:pPr indent="0">
               <a:spcBef>
                 <a:spcPts val="1200"/>
               </a:spcBef>
-              <a:spcAft>
-                <a:spcPts val="0"/>
-              </a:spcAft>
               <a:buNone/>
             </a:pPr>
             <a:r>
@@ -8177,15 +7981,10 @@
             <a:endParaRPr dirty="0"/>
           </a:p>
           <a:p>
-            <a:pPr marL="457200" lvl="0" indent="-342900" algn="l" rtl="0">
+            <a:pPr>
               <a:spcBef>
                 <a:spcPts val="1200"/>
               </a:spcBef>
-              <a:spcAft>
-                <a:spcPts val="0"/>
-              </a:spcAft>
-              <a:buSzPts val="1800"/>
-              <a:buChar char="●"/>
             </a:pPr>
             <a:r>
               <a:rPr lang="en" dirty="0"/>
@@ -8194,13 +7993,10 @@
             <a:endParaRPr dirty="0"/>
           </a:p>
           <a:p>
-            <a:pPr marL="457200" lvl="0" indent="0" algn="l" rtl="0">
+            <a:pPr indent="0">
               <a:spcBef>
                 <a:spcPts val="1200"/>
               </a:spcBef>
-              <a:spcAft>
-                <a:spcPts val="0"/>
-              </a:spcAft>
               <a:buNone/>
             </a:pPr>
             <a:r>
@@ -8218,13 +8014,10 @@
             </a:endParaRPr>
           </a:p>
           <a:p>
-            <a:pPr marL="457200" lvl="0" indent="0" algn="l" rtl="0">
+            <a:pPr indent="0">
               <a:spcBef>
                 <a:spcPts val="1200"/>
               </a:spcBef>
-              <a:spcAft>
-                <a:spcPts val="0"/>
-              </a:spcAft>
               <a:buNone/>
             </a:pPr>
             <a:r>
@@ -8242,13 +8035,10 @@
             </a:endParaRPr>
           </a:p>
           <a:p>
-            <a:pPr marL="457200" lvl="0" indent="0" algn="l" rtl="0">
+            <a:pPr indent="0">
               <a:spcBef>
                 <a:spcPts val="1200"/>
               </a:spcBef>
-              <a:spcAft>
-                <a:spcPts val="0"/>
-              </a:spcAft>
               <a:buNone/>
             </a:pPr>
             <a:r>
@@ -8266,18 +8056,14 @@
             </a:endParaRPr>
           </a:p>
           <a:p>
-            <a:pPr marL="457200" lvl="0" indent="0" algn="l" rtl="0">
+            <a:pPr indent="0">
               <a:spcBef>
                 <a:spcPts val="1200"/>
               </a:spcBef>
-              <a:spcAft>
-                <a:spcPts val="0"/>
-              </a:spcAft>
               <a:buClr>
                 <a:schemeClr val="dk1"/>
               </a:buClr>
               <a:buSzPts val="1100"/>
-              <a:buFont typeface="Arial"/>
               <a:buNone/>
             </a:pPr>
             <a:r>
@@ -8291,7 +8077,7 @@
             <a:endParaRPr dirty="0"/>
           </a:p>
           <a:p>
-            <a:pPr marL="914400" lvl="0" indent="0" algn="l" rtl="0">
+            <a:pPr marL="914400" indent="0">
               <a:spcBef>
                 <a:spcPts val="1200"/>
               </a:spcBef>
@@ -8341,7 +8127,7 @@
         </p:nvSpPr>
         <p:spPr>
           <a:xfrm>
-            <a:off x="311700" y="593367"/>
+            <a:off x="1835700" y="593367"/>
             <a:ext cx="8520600" cy="763500"/>
           </a:xfrm>
           <a:prstGeom prst="rect">
@@ -8354,20 +8140,11 @@
           </a:bodyPr>
           <a:lstStyle/>
           <a:p>
-            <a:pPr marL="0" lvl="0" indent="0" algn="l" rtl="0">
-              <a:spcBef>
-                <a:spcPts val="0"/>
-              </a:spcBef>
-              <a:spcAft>
-                <a:spcPts val="0"/>
-              </a:spcAft>
-              <a:buNone/>
-            </a:pPr>
-            <a:r>
-              <a:rPr lang="en" b="1"/>
+            <a:r>
+              <a:rPr lang="en" b="1" dirty="0"/>
               <a:t>리스트변수와 for문 </a:t>
             </a:r>
-            <a:endParaRPr b="1"/>
+            <a:endParaRPr b="1" dirty="0"/>
           </a:p>
         </p:txBody>
       </p:sp>
@@ -8383,7 +8160,7 @@
         </p:nvSpPr>
         <p:spPr>
           <a:xfrm>
-            <a:off x="311700" y="1536633"/>
+            <a:off x="1835700" y="1536633"/>
             <a:ext cx="8520600" cy="4555200"/>
           </a:xfrm>
           <a:prstGeom prst="rect">
@@ -8392,20 +8169,10 @@
         </p:spPr>
         <p:txBody>
           <a:bodyPr spcFirstLastPara="1" wrap="square" lIns="91425" tIns="91425" rIns="91425" bIns="91425" anchor="t" anchorCtr="0">
-            <a:normAutofit lnSpcReduction="10000"/>
+            <a:normAutofit fontScale="92500" lnSpcReduction="10000"/>
           </a:bodyPr>
           <a:lstStyle/>
           <a:p>
-            <a:pPr marL="457200" lvl="0" indent="-342900" algn="l" rtl="0">
-              <a:spcBef>
-                <a:spcPts val="0"/>
-              </a:spcBef>
-              <a:spcAft>
-                <a:spcPts val="0"/>
-              </a:spcAft>
-              <a:buSzPts val="1800"/>
-              <a:buChar char="●"/>
-            </a:pPr>
             <a:r>
               <a:rPr lang="en"/>
               <a:t>리스트변수는 for과 같이 사용된다. </a:t>
@@ -8413,13 +8180,10 @@
             <a:endParaRPr/>
           </a:p>
           <a:p>
-            <a:pPr marL="457200" lvl="0" indent="0" algn="l" rtl="0">
+            <a:pPr indent="0">
               <a:spcBef>
                 <a:spcPts val="1200"/>
               </a:spcBef>
-              <a:spcAft>
-                <a:spcPts val="0"/>
-              </a:spcAft>
               <a:buNone/>
             </a:pPr>
             <a:r>
@@ -8437,13 +8201,10 @@
             </a:endParaRPr>
           </a:p>
           <a:p>
-            <a:pPr marL="457200" lvl="0" indent="0" algn="l" rtl="0">
+            <a:pPr indent="0">
               <a:spcBef>
                 <a:spcPts val="1200"/>
               </a:spcBef>
-              <a:spcAft>
-                <a:spcPts val="0"/>
-              </a:spcAft>
               <a:buNone/>
             </a:pPr>
             <a:r>
@@ -8461,13 +8222,10 @@
             </a:endParaRPr>
           </a:p>
           <a:p>
-            <a:pPr marL="457200" lvl="0" indent="0" algn="l" rtl="0">
+            <a:pPr indent="0">
               <a:spcBef>
                 <a:spcPts val="1200"/>
               </a:spcBef>
-              <a:spcAft>
-                <a:spcPts val="0"/>
-              </a:spcAft>
               <a:buNone/>
             </a:pPr>
             <a:r>
@@ -8485,25 +8243,19 @@
             </a:endParaRPr>
           </a:p>
           <a:p>
-            <a:pPr marL="457200" lvl="0" indent="0" algn="l" rtl="0">
+            <a:pPr indent="0">
               <a:spcBef>
                 <a:spcPts val="1200"/>
               </a:spcBef>
-              <a:spcAft>
-                <a:spcPts val="0"/>
-              </a:spcAft>
               <a:buNone/>
             </a:pPr>
             <a:endParaRPr/>
           </a:p>
           <a:p>
-            <a:pPr marL="457200" lvl="0" indent="0" algn="l" rtl="0">
+            <a:pPr indent="0">
               <a:spcBef>
                 <a:spcPts val="1200"/>
               </a:spcBef>
-              <a:spcAft>
-                <a:spcPts val="0"/>
-              </a:spcAft>
               <a:buNone/>
             </a:pPr>
             <a:r>
@@ -8513,13 +8265,10 @@
             <a:endParaRPr/>
           </a:p>
           <a:p>
-            <a:pPr marL="457200" lvl="0" indent="0" algn="l" rtl="0">
+            <a:pPr indent="0">
               <a:spcBef>
                 <a:spcPts val="1200"/>
               </a:spcBef>
-              <a:spcAft>
-                <a:spcPts val="0"/>
-              </a:spcAft>
               <a:buNone/>
             </a:pPr>
             <a:r>
@@ -8537,13 +8286,10 @@
             </a:endParaRPr>
           </a:p>
           <a:p>
-            <a:pPr marL="457200" lvl="0" indent="0" algn="l" rtl="0">
+            <a:pPr indent="0">
               <a:spcBef>
                 <a:spcPts val="1200"/>
               </a:spcBef>
-              <a:spcAft>
-                <a:spcPts val="0"/>
-              </a:spcAft>
               <a:buNone/>
             </a:pPr>
             <a:r>
@@ -8561,13 +8307,10 @@
             </a:endParaRPr>
           </a:p>
           <a:p>
-            <a:pPr marL="457200" lvl="0" indent="0" algn="l" rtl="0">
+            <a:pPr indent="0">
               <a:spcBef>
                 <a:spcPts val="1200"/>
               </a:spcBef>
-              <a:spcAft>
-                <a:spcPts val="0"/>
-              </a:spcAft>
               <a:buNone/>
             </a:pPr>
             <a:r>
@@ -8585,7 +8328,7 @@
             </a:endParaRPr>
           </a:p>
           <a:p>
-            <a:pPr marL="457200" lvl="0" indent="0" algn="l" rtl="0">
+            <a:pPr indent="0">
               <a:spcBef>
                 <a:spcPts val="1200"/>
               </a:spcBef>
@@ -8647,7 +8390,7 @@
         </p:nvSpPr>
         <p:spPr>
           <a:xfrm>
-            <a:off x="311700" y="593367"/>
+            <a:off x="1835700" y="593367"/>
             <a:ext cx="8520600" cy="763500"/>
           </a:xfrm>
           <a:prstGeom prst="rect">
@@ -8660,15 +8403,6 @@
           </a:bodyPr>
           <a:lstStyle/>
           <a:p>
-            <a:pPr marL="0" lvl="0" indent="0" algn="l" rtl="0">
-              <a:spcBef>
-                <a:spcPts val="0"/>
-              </a:spcBef>
-              <a:spcAft>
-                <a:spcPts val="0"/>
-              </a:spcAft>
-              <a:buNone/>
-            </a:pPr>
             <a:r>
               <a:rPr lang="en" b="1"/>
               <a:t>2차원 리스트 변수 </a:t>
@@ -8689,7 +8423,7 @@
         </p:nvSpPr>
         <p:spPr>
           <a:xfrm>
-            <a:off x="311700" y="1536625"/>
+            <a:off x="1835700" y="1536625"/>
             <a:ext cx="5715600" cy="5265300"/>
           </a:xfrm>
           <a:prstGeom prst="rect">
@@ -8702,16 +8436,6 @@
           </a:bodyPr>
           <a:lstStyle/>
           <a:p>
-            <a:pPr marL="457200" lvl="0" indent="-342900" algn="l" rtl="0">
-              <a:spcBef>
-                <a:spcPts val="0"/>
-              </a:spcBef>
-              <a:spcAft>
-                <a:spcPts val="0"/>
-              </a:spcAft>
-              <a:buSzPts val="1800"/>
-              <a:buChar char="●"/>
-            </a:pPr>
             <a:r>
               <a:rPr lang="en" dirty="0"/>
               <a:t>2차원 리스트 변수를 만들기 </a:t>
@@ -8719,13 +8443,10 @@
             <a:endParaRPr dirty="0"/>
           </a:p>
           <a:p>
-            <a:pPr marL="457200" lvl="0" indent="0" algn="l" rtl="0">
+            <a:pPr indent="0">
               <a:spcBef>
                 <a:spcPts val="1200"/>
               </a:spcBef>
-              <a:spcAft>
-                <a:spcPts val="0"/>
-              </a:spcAft>
               <a:buNone/>
             </a:pPr>
             <a:r>
@@ -8743,15 +8464,10 @@
             </a:endParaRPr>
           </a:p>
           <a:p>
-            <a:pPr marL="457200" lvl="0" indent="-342900" algn="l" rtl="0">
+            <a:pPr>
               <a:spcBef>
                 <a:spcPts val="1200"/>
               </a:spcBef>
-              <a:spcAft>
-                <a:spcPts val="0"/>
-              </a:spcAft>
-              <a:buSzPts val="1800"/>
-              <a:buChar char="●"/>
             </a:pPr>
             <a:r>
               <a:rPr lang="en" dirty="0"/>
@@ -8760,13 +8476,10 @@
             <a:endParaRPr dirty="0"/>
           </a:p>
           <a:p>
-            <a:pPr marL="457200" lvl="0" indent="0" algn="l" rtl="0">
+            <a:pPr indent="0">
               <a:spcBef>
                 <a:spcPts val="1200"/>
               </a:spcBef>
-              <a:spcAft>
-                <a:spcPts val="0"/>
-              </a:spcAft>
               <a:buNone/>
             </a:pPr>
             <a:r>
@@ -8784,13 +8497,10 @@
             </a:endParaRPr>
           </a:p>
           <a:p>
-            <a:pPr marL="457200" lvl="0" indent="0" algn="l" rtl="0">
+            <a:pPr indent="0">
               <a:spcBef>
                 <a:spcPts val="1200"/>
               </a:spcBef>
-              <a:spcAft>
-                <a:spcPts val="0"/>
-              </a:spcAft>
               <a:buNone/>
             </a:pPr>
             <a:r>
@@ -8808,13 +8518,10 @@
             </a:endParaRPr>
           </a:p>
           <a:p>
-            <a:pPr marL="457200" lvl="0" indent="0" algn="l" rtl="0">
+            <a:pPr indent="0">
               <a:spcBef>
                 <a:spcPts val="1200"/>
               </a:spcBef>
-              <a:spcAft>
-                <a:spcPts val="0"/>
-              </a:spcAft>
               <a:buNone/>
             </a:pPr>
             <a:r>
@@ -8832,13 +8539,10 @@
             </a:endParaRPr>
           </a:p>
           <a:p>
-            <a:pPr marL="457200" lvl="0" indent="0" algn="l" rtl="0">
+            <a:pPr indent="0">
               <a:spcBef>
                 <a:spcPts val="1200"/>
               </a:spcBef>
-              <a:spcAft>
-                <a:spcPts val="0"/>
-              </a:spcAft>
               <a:buNone/>
             </a:pPr>
             <a:r>
@@ -8856,15 +8560,10 @@
             </a:endParaRPr>
           </a:p>
           <a:p>
-            <a:pPr marL="457200" lvl="0" indent="-342900" algn="l" rtl="0">
+            <a:pPr>
               <a:spcBef>
                 <a:spcPts val="1200"/>
               </a:spcBef>
-              <a:spcAft>
-                <a:spcPts val="0"/>
-              </a:spcAft>
-              <a:buSzPts val="1800"/>
-              <a:buChar char="●"/>
             </a:pPr>
             <a:r>
               <a:rPr lang="en" dirty="0"/>
@@ -8873,13 +8572,10 @@
             <a:endParaRPr dirty="0"/>
           </a:p>
           <a:p>
-            <a:pPr marL="457200" lvl="0" indent="0" algn="l" rtl="0">
+            <a:pPr indent="0">
               <a:spcBef>
                 <a:spcPts val="1200"/>
               </a:spcBef>
-              <a:spcAft>
-                <a:spcPts val="0"/>
-              </a:spcAft>
               <a:buNone/>
             </a:pPr>
             <a:r>
@@ -8897,13 +8593,10 @@
             </a:endParaRPr>
           </a:p>
           <a:p>
-            <a:pPr marL="457200" lvl="0" indent="0" algn="l" rtl="0">
+            <a:pPr indent="0">
               <a:spcBef>
                 <a:spcPts val="1200"/>
               </a:spcBef>
-              <a:spcAft>
-                <a:spcPts val="0"/>
-              </a:spcAft>
               <a:buNone/>
             </a:pPr>
             <a:r>
@@ -8921,7 +8614,7 @@
             </a:endParaRPr>
           </a:p>
           <a:p>
-            <a:pPr marL="457200" lvl="0" indent="0" algn="l" rtl="0">
+            <a:pPr indent="0">
               <a:spcBef>
                 <a:spcPts val="1200"/>
               </a:spcBef>
@@ -8954,7 +8647,7 @@
         </p:nvSpPr>
         <p:spPr>
           <a:xfrm>
-            <a:off x="5845450" y="1773425"/>
+            <a:off x="7369450" y="1773425"/>
             <a:ext cx="628500" cy="594900"/>
           </a:xfrm>
           <a:prstGeom prst="rect">
@@ -8979,15 +8672,7 @@
           </a:bodyPr>
           <a:lstStyle/>
           <a:p>
-            <a:pPr marL="0" lvl="0" indent="0" algn="ctr" rtl="0">
-              <a:spcBef>
-                <a:spcPts val="0"/>
-              </a:spcBef>
-              <a:spcAft>
-                <a:spcPts val="0"/>
-              </a:spcAft>
-              <a:buNone/>
-            </a:pPr>
+            <a:pPr algn="ctr"/>
             <a:r>
               <a:rPr lang="en"/>
               <a:t>1</a:t>
@@ -9004,7 +8689,7 @@
         </p:nvSpPr>
         <p:spPr>
           <a:xfrm>
-            <a:off x="6607450" y="1773425"/>
+            <a:off x="8131450" y="1773425"/>
             <a:ext cx="628500" cy="594900"/>
           </a:xfrm>
           <a:prstGeom prst="rect">
@@ -9029,15 +8714,7 @@
           </a:bodyPr>
           <a:lstStyle/>
           <a:p>
-            <a:pPr marL="0" lvl="0" indent="0" algn="ctr" rtl="0">
-              <a:spcBef>
-                <a:spcPts val="0"/>
-              </a:spcBef>
-              <a:spcAft>
-                <a:spcPts val="0"/>
-              </a:spcAft>
-              <a:buNone/>
-            </a:pPr>
+            <a:pPr algn="ctr"/>
             <a:r>
               <a:rPr lang="en"/>
               <a:t>2</a:t>
@@ -9054,7 +8731,7 @@
         </p:nvSpPr>
         <p:spPr>
           <a:xfrm>
-            <a:off x="7369450" y="1773425"/>
+            <a:off x="8893450" y="1773425"/>
             <a:ext cx="628500" cy="594900"/>
           </a:xfrm>
           <a:prstGeom prst="rect">
@@ -9079,15 +8756,7 @@
           </a:bodyPr>
           <a:lstStyle/>
           <a:p>
-            <a:pPr marL="0" lvl="0" indent="0" algn="ctr" rtl="0">
-              <a:spcBef>
-                <a:spcPts val="0"/>
-              </a:spcBef>
-              <a:spcAft>
-                <a:spcPts val="0"/>
-              </a:spcAft>
-              <a:buNone/>
-            </a:pPr>
+            <a:pPr algn="ctr"/>
             <a:r>
               <a:rPr lang="en"/>
               <a:t>3</a:t>
@@ -9104,7 +8773,7 @@
         </p:nvSpPr>
         <p:spPr>
           <a:xfrm>
-            <a:off x="5845450" y="2535425"/>
+            <a:off x="7369450" y="2535425"/>
             <a:ext cx="628500" cy="594900"/>
           </a:xfrm>
           <a:prstGeom prst="rect">
@@ -9129,15 +8798,7 @@
           </a:bodyPr>
           <a:lstStyle/>
           <a:p>
-            <a:pPr marL="0" lvl="0" indent="0" algn="ctr" rtl="0">
-              <a:spcBef>
-                <a:spcPts val="0"/>
-              </a:spcBef>
-              <a:spcAft>
-                <a:spcPts val="0"/>
-              </a:spcAft>
-              <a:buNone/>
-            </a:pPr>
+            <a:pPr algn="ctr"/>
             <a:r>
               <a:rPr lang="en"/>
               <a:t>4</a:t>
@@ -9154,7 +8815,7 @@
         </p:nvSpPr>
         <p:spPr>
           <a:xfrm>
-            <a:off x="6607450" y="2535425"/>
+            <a:off x="8131450" y="2535425"/>
             <a:ext cx="628500" cy="594900"/>
           </a:xfrm>
           <a:prstGeom prst="rect">
@@ -9179,15 +8840,7 @@
           </a:bodyPr>
           <a:lstStyle/>
           <a:p>
-            <a:pPr marL="0" lvl="0" indent="0" algn="ctr" rtl="0">
-              <a:spcBef>
-                <a:spcPts val="0"/>
-              </a:spcBef>
-              <a:spcAft>
-                <a:spcPts val="0"/>
-              </a:spcAft>
-              <a:buNone/>
-            </a:pPr>
+            <a:pPr algn="ctr"/>
             <a:r>
               <a:rPr lang="en"/>
               <a:t>5</a:t>
@@ -9204,7 +8857,7 @@
         </p:nvSpPr>
         <p:spPr>
           <a:xfrm>
-            <a:off x="7369450" y="2535425"/>
+            <a:off x="8893450" y="2535425"/>
             <a:ext cx="628500" cy="594900"/>
           </a:xfrm>
           <a:prstGeom prst="rect">
@@ -9229,15 +8882,7 @@
           </a:bodyPr>
           <a:lstStyle/>
           <a:p>
-            <a:pPr marL="0" lvl="0" indent="0" algn="ctr" rtl="0">
-              <a:spcBef>
-                <a:spcPts val="0"/>
-              </a:spcBef>
-              <a:spcAft>
-                <a:spcPts val="0"/>
-              </a:spcAft>
-              <a:buNone/>
-            </a:pPr>
+            <a:pPr algn="ctr"/>
             <a:r>
               <a:rPr lang="en"/>
               <a:t>6</a:t>
@@ -9254,7 +8899,7 @@
         </p:nvSpPr>
         <p:spPr>
           <a:xfrm>
-            <a:off x="5845450" y="3297425"/>
+            <a:off x="7369450" y="3297425"/>
             <a:ext cx="628500" cy="594900"/>
           </a:xfrm>
           <a:prstGeom prst="rect">
@@ -9279,15 +8924,7 @@
           </a:bodyPr>
           <a:lstStyle/>
           <a:p>
-            <a:pPr marL="0" lvl="0" indent="0" algn="ctr" rtl="0">
-              <a:spcBef>
-                <a:spcPts val="0"/>
-              </a:spcBef>
-              <a:spcAft>
-                <a:spcPts val="0"/>
-              </a:spcAft>
-              <a:buNone/>
-            </a:pPr>
+            <a:pPr algn="ctr"/>
             <a:r>
               <a:rPr lang="en"/>
               <a:t>7</a:t>
@@ -9304,7 +8941,7 @@
         </p:nvSpPr>
         <p:spPr>
           <a:xfrm>
-            <a:off x="6607450" y="3297425"/>
+            <a:off x="8131450" y="3297425"/>
             <a:ext cx="628500" cy="594900"/>
           </a:xfrm>
           <a:prstGeom prst="rect">
@@ -9329,15 +8966,7 @@
           </a:bodyPr>
           <a:lstStyle/>
           <a:p>
-            <a:pPr marL="0" lvl="0" indent="0" algn="ctr" rtl="0">
-              <a:spcBef>
-                <a:spcPts val="0"/>
-              </a:spcBef>
-              <a:spcAft>
-                <a:spcPts val="0"/>
-              </a:spcAft>
-              <a:buNone/>
-            </a:pPr>
+            <a:pPr algn="ctr"/>
             <a:r>
               <a:rPr lang="en"/>
               <a:t>8</a:t>
@@ -9354,7 +8983,7 @@
         </p:nvSpPr>
         <p:spPr>
           <a:xfrm>
-            <a:off x="7369450" y="3297425"/>
+            <a:off x="8893450" y="3297425"/>
             <a:ext cx="628500" cy="594900"/>
           </a:xfrm>
           <a:prstGeom prst="rect">
@@ -9379,15 +9008,7 @@
           </a:bodyPr>
           <a:lstStyle/>
           <a:p>
-            <a:pPr marL="0" lvl="0" indent="0" algn="ctr" rtl="0">
-              <a:spcBef>
-                <a:spcPts val="0"/>
-              </a:spcBef>
-              <a:spcAft>
-                <a:spcPts val="0"/>
-              </a:spcAft>
-              <a:buNone/>
-            </a:pPr>
+            <a:pPr algn="ctr"/>
             <a:r>
               <a:rPr lang="en"/>
               <a:t>9</a:t>
@@ -9404,7 +9025,7 @@
         </p:nvSpPr>
         <p:spPr>
           <a:xfrm>
-            <a:off x="5228100" y="1257125"/>
+            <a:off x="6752100" y="1257125"/>
             <a:ext cx="2705100" cy="400200"/>
           </a:xfrm>
           <a:prstGeom prst="rect">
@@ -9421,15 +9042,6 @@
           </a:bodyPr>
           <a:lstStyle/>
           <a:p>
-            <a:pPr marL="0" lvl="0" indent="0" algn="l" rtl="0">
-              <a:spcBef>
-                <a:spcPts val="0"/>
-              </a:spcBef>
-              <a:spcAft>
-                <a:spcPts val="0"/>
-              </a:spcAft>
-              <a:buNone/>
-            </a:pPr>
             <a:r>
               <a:rPr lang="en"/>
               <a:t>인덱스   [1]            [2]            [3]</a:t>
@@ -9446,7 +9058,7 @@
         </p:nvSpPr>
         <p:spPr>
           <a:xfrm>
-            <a:off x="5391850" y="1930550"/>
+            <a:off x="6915850" y="1930550"/>
             <a:ext cx="682200" cy="1693200"/>
           </a:xfrm>
           <a:prstGeom prst="rect">
@@ -9463,15 +9075,6 @@
           </a:bodyPr>
           <a:lstStyle/>
           <a:p>
-            <a:pPr marL="0" lvl="0" indent="0" algn="l" rtl="0">
-              <a:spcBef>
-                <a:spcPts val="0"/>
-              </a:spcBef>
-              <a:spcAft>
-                <a:spcPts val="0"/>
-              </a:spcAft>
-              <a:buNone/>
-            </a:pPr>
             <a:r>
               <a:rPr lang="en"/>
               <a:t>[1]</a:t>
@@ -9479,39 +9082,12 @@
             <a:endParaRPr/>
           </a:p>
           <a:p>
-            <a:pPr marL="0" lvl="0" indent="0" algn="l" rtl="0">
-              <a:spcBef>
-                <a:spcPts val="0"/>
-              </a:spcBef>
-              <a:spcAft>
-                <a:spcPts val="0"/>
-              </a:spcAft>
-              <a:buNone/>
-            </a:pPr>
             <a:endParaRPr/>
           </a:p>
           <a:p>
-            <a:pPr marL="0" lvl="0" indent="0" algn="l" rtl="0">
-              <a:spcBef>
-                <a:spcPts val="0"/>
-              </a:spcBef>
-              <a:spcAft>
-                <a:spcPts val="0"/>
-              </a:spcAft>
-              <a:buNone/>
-            </a:pPr>
             <a:endParaRPr/>
           </a:p>
           <a:p>
-            <a:pPr marL="0" lvl="0" indent="0" algn="l" rtl="0">
-              <a:spcBef>
-                <a:spcPts val="0"/>
-              </a:spcBef>
-              <a:spcAft>
-                <a:spcPts val="0"/>
-              </a:spcAft>
-              <a:buNone/>
-            </a:pPr>
             <a:r>
               <a:rPr lang="en"/>
               <a:t>[2]</a:t>
@@ -9519,39 +9095,12 @@
             <a:endParaRPr/>
           </a:p>
           <a:p>
-            <a:pPr marL="0" lvl="0" indent="0" algn="l" rtl="0">
-              <a:spcBef>
-                <a:spcPts val="0"/>
-              </a:spcBef>
-              <a:spcAft>
-                <a:spcPts val="0"/>
-              </a:spcAft>
-              <a:buNone/>
-            </a:pPr>
             <a:endParaRPr/>
           </a:p>
           <a:p>
-            <a:pPr marL="0" lvl="0" indent="0" algn="l" rtl="0">
-              <a:spcBef>
-                <a:spcPts val="0"/>
-              </a:spcBef>
-              <a:spcAft>
-                <a:spcPts val="0"/>
-              </a:spcAft>
-              <a:buNone/>
-            </a:pPr>
             <a:endParaRPr/>
           </a:p>
           <a:p>
-            <a:pPr marL="0" lvl="0" indent="0" algn="l" rtl="0">
-              <a:spcBef>
-                <a:spcPts val="0"/>
-              </a:spcBef>
-              <a:spcAft>
-                <a:spcPts val="0"/>
-              </a:spcAft>
-              <a:buNone/>
-            </a:pPr>
             <a:r>
               <a:rPr lang="en"/>
               <a:t>[3]</a:t>
@@ -9597,7 +9146,7 @@
         </p:nvSpPr>
         <p:spPr>
           <a:xfrm>
-            <a:off x="311700" y="593367"/>
+            <a:off x="1835700" y="593367"/>
             <a:ext cx="8520600" cy="763500"/>
           </a:xfrm>
           <a:prstGeom prst="rect">
@@ -9610,15 +9159,6 @@
           </a:bodyPr>
           <a:lstStyle/>
           <a:p>
-            <a:pPr marL="0" lvl="0" indent="0" algn="l" rtl="0">
-              <a:spcBef>
-                <a:spcPts val="0"/>
-              </a:spcBef>
-              <a:spcAft>
-                <a:spcPts val="0"/>
-              </a:spcAft>
-              <a:buNone/>
-            </a:pPr>
             <a:r>
               <a:rPr lang="en" b="1"/>
               <a:t>리스트란? </a:t>
@@ -9639,7 +9179,7 @@
         </p:nvSpPr>
         <p:spPr>
           <a:xfrm>
-            <a:off x="311700" y="1536629"/>
+            <a:off x="1835700" y="1536629"/>
             <a:ext cx="8520600" cy="2358300"/>
           </a:xfrm>
           <a:prstGeom prst="rect">
@@ -9652,16 +9192,6 @@
           </a:bodyPr>
           <a:lstStyle/>
           <a:p>
-            <a:pPr marL="457200" lvl="0" indent="-342900" algn="l" rtl="0">
-              <a:spcBef>
-                <a:spcPts val="0"/>
-              </a:spcBef>
-              <a:spcAft>
-                <a:spcPts val="0"/>
-              </a:spcAft>
-              <a:buSzPts val="1800"/>
-              <a:buChar char="●"/>
-            </a:pPr>
             <a:r>
               <a:rPr lang="en"/>
               <a:t>파이썬에는 다음과 같은 변수가 있습니다. </a:t>
@@ -9669,16 +9199,7 @@
             <a:endParaRPr/>
           </a:p>
           <a:p>
-            <a:pPr marL="914400" lvl="1" indent="-317500" algn="l" rtl="0">
-              <a:spcBef>
-                <a:spcPts val="0"/>
-              </a:spcBef>
-              <a:spcAft>
-                <a:spcPts val="0"/>
-              </a:spcAft>
-              <a:buSzPts val="1400"/>
-              <a:buChar char="○"/>
-            </a:pPr>
+            <a:pPr lvl="1"/>
             <a:r>
               <a:rPr lang="en"/>
               <a:t>숫자형 </a:t>
@@ -9686,16 +9207,7 @@
             <a:endParaRPr/>
           </a:p>
           <a:p>
-            <a:pPr marL="914400" lvl="1" indent="-317500" algn="l" rtl="0">
-              <a:spcBef>
-                <a:spcPts val="0"/>
-              </a:spcBef>
-              <a:spcAft>
-                <a:spcPts val="0"/>
-              </a:spcAft>
-              <a:buSzPts val="1400"/>
-              <a:buChar char="○"/>
-            </a:pPr>
+            <a:pPr lvl="1"/>
             <a:r>
               <a:rPr lang="en"/>
               <a:t>문자형</a:t>
@@ -9703,16 +9215,7 @@
             <a:endParaRPr/>
           </a:p>
           <a:p>
-            <a:pPr marL="914400" lvl="1" indent="-317500" algn="l" rtl="0">
-              <a:spcBef>
-                <a:spcPts val="0"/>
-              </a:spcBef>
-              <a:spcAft>
-                <a:spcPts val="0"/>
-              </a:spcAft>
-              <a:buSzPts val="1400"/>
-              <a:buChar char="○"/>
-            </a:pPr>
+            <a:pPr lvl="1"/>
             <a:r>
               <a:rPr lang="en"/>
               <a:t>리스트 </a:t>
@@ -9720,16 +9223,7 @@
             <a:endParaRPr/>
           </a:p>
           <a:p>
-            <a:pPr marL="914400" lvl="1" indent="-317500" algn="l" rtl="0">
-              <a:spcBef>
-                <a:spcPts val="0"/>
-              </a:spcBef>
-              <a:spcAft>
-                <a:spcPts val="0"/>
-              </a:spcAft>
-              <a:buSzPts val="1400"/>
-              <a:buChar char="○"/>
-            </a:pPr>
+            <a:pPr lvl="1"/>
             <a:r>
               <a:rPr lang="en"/>
               <a:t>튜플 </a:t>
@@ -9737,16 +9231,7 @@
             <a:endParaRPr/>
           </a:p>
           <a:p>
-            <a:pPr marL="914400" lvl="1" indent="-317500" algn="l" rtl="0">
-              <a:spcBef>
-                <a:spcPts val="0"/>
-              </a:spcBef>
-              <a:spcAft>
-                <a:spcPts val="0"/>
-              </a:spcAft>
-              <a:buSzPts val="1400"/>
-              <a:buChar char="○"/>
-            </a:pPr>
+            <a:pPr lvl="1"/>
             <a:r>
               <a:rPr lang="en"/>
               <a:t>딕셔너리 </a:t>
@@ -9754,16 +9239,6 @@
             <a:endParaRPr/>
           </a:p>
           <a:p>
-            <a:pPr marL="457200" lvl="0" indent="-342900" algn="l" rtl="0">
-              <a:spcBef>
-                <a:spcPts val="0"/>
-              </a:spcBef>
-              <a:spcAft>
-                <a:spcPts val="0"/>
-              </a:spcAft>
-              <a:buSzPts val="1800"/>
-              <a:buChar char="●"/>
-            </a:pPr>
             <a:r>
               <a:rPr lang="en"/>
               <a:t>여기서는 리스트 변수에 대해서 학습합니다. </a:t>
@@ -9780,7 +9255,7 @@
         </p:nvSpPr>
         <p:spPr>
           <a:xfrm>
-            <a:off x="5960100" y="1356875"/>
+            <a:off x="7484100" y="1356875"/>
             <a:ext cx="2872200" cy="1015800"/>
           </a:xfrm>
           <a:prstGeom prst="rect">
@@ -9797,15 +9272,6 @@
           </a:bodyPr>
           <a:lstStyle/>
           <a:p>
-            <a:pPr marL="0" lvl="0" indent="0" algn="l" rtl="0">
-              <a:spcBef>
-                <a:spcPts val="0"/>
-              </a:spcBef>
-              <a:spcAft>
-                <a:spcPts val="0"/>
-              </a:spcAft>
-              <a:buNone/>
-            </a:pPr>
             <a:r>
               <a:rPr lang="en" sz="1800" b="1">
                 <a:solidFill>
@@ -9838,7 +9304,7 @@
         </p:blipFill>
         <p:spPr>
           <a:xfrm>
-            <a:off x="724850" y="3569575"/>
+            <a:off x="2248850" y="3569576"/>
             <a:ext cx="7518888" cy="3288425"/>
           </a:xfrm>
           <a:prstGeom prst="rect">
@@ -9858,7 +9324,7 @@
         </p:nvSpPr>
         <p:spPr>
           <a:xfrm>
-            <a:off x="5960100" y="2499875"/>
+            <a:off x="7484100" y="2499875"/>
             <a:ext cx="2872200" cy="738900"/>
           </a:xfrm>
           <a:prstGeom prst="rect">
@@ -9875,15 +9341,6 @@
           </a:bodyPr>
           <a:lstStyle/>
           <a:p>
-            <a:pPr marL="0" lvl="0" indent="0" algn="l" rtl="0">
-              <a:spcBef>
-                <a:spcPts val="0"/>
-              </a:spcBef>
-              <a:spcAft>
-                <a:spcPts val="0"/>
-              </a:spcAft>
-              <a:buNone/>
-            </a:pPr>
             <a:r>
               <a:rPr lang="en" sz="1800" b="1">
                 <a:solidFill>
@@ -9937,7 +9394,7 @@
         </p:nvSpPr>
         <p:spPr>
           <a:xfrm>
-            <a:off x="311700" y="593367"/>
+            <a:off x="1835700" y="593367"/>
             <a:ext cx="8520600" cy="763500"/>
           </a:xfrm>
           <a:prstGeom prst="rect">
@@ -9950,15 +9407,6 @@
           </a:bodyPr>
           <a:lstStyle/>
           <a:p>
-            <a:pPr marL="0" lvl="0" indent="0" algn="l" rtl="0">
-              <a:spcBef>
-                <a:spcPts val="0"/>
-              </a:spcBef>
-              <a:spcAft>
-                <a:spcPts val="0"/>
-              </a:spcAft>
-              <a:buNone/>
-            </a:pPr>
             <a:r>
               <a:rPr lang="en" b="1"/>
               <a:t>리스트 변수의 형태 </a:t>
@@ -9979,7 +9427,7 @@
         </p:nvSpPr>
         <p:spPr>
           <a:xfrm>
-            <a:off x="311700" y="1536625"/>
+            <a:off x="1835700" y="1536625"/>
             <a:ext cx="8832300" cy="4555200"/>
           </a:xfrm>
           <a:prstGeom prst="rect">
@@ -9992,16 +9440,6 @@
           </a:bodyPr>
           <a:lstStyle/>
           <a:p>
-            <a:pPr marL="457200" lvl="0" indent="-342900" algn="l" rtl="0">
-              <a:spcBef>
-                <a:spcPts val="0"/>
-              </a:spcBef>
-              <a:spcAft>
-                <a:spcPts val="0"/>
-              </a:spcAft>
-              <a:buSzPts val="1800"/>
-              <a:buChar char="●"/>
-            </a:pPr>
             <a:r>
               <a:rPr lang="en"/>
               <a:t>리스트 변수는 다음과 같은 형태들이 있습니다.</a:t>
@@ -10009,13 +9447,10 @@
             <a:endParaRPr/>
           </a:p>
           <a:p>
-            <a:pPr marL="0" lvl="0" indent="0" algn="l" rtl="0">
+            <a:pPr marL="0" indent="0">
               <a:spcBef>
                 <a:spcPts val="1200"/>
               </a:spcBef>
-              <a:spcAft>
-                <a:spcPts val="0"/>
-              </a:spcAft>
               <a:buNone/>
             </a:pPr>
             <a:r>
@@ -10025,13 +9460,10 @@
             <a:endParaRPr/>
           </a:p>
           <a:p>
-            <a:pPr marL="0" lvl="0" indent="0" algn="l" rtl="0">
+            <a:pPr marL="0" indent="0">
               <a:spcBef>
                 <a:spcPts val="1200"/>
               </a:spcBef>
-              <a:spcAft>
-                <a:spcPts val="0"/>
-              </a:spcAft>
               <a:buNone/>
             </a:pPr>
             <a:r>
@@ -10041,13 +9473,10 @@
             <a:endParaRPr/>
           </a:p>
           <a:p>
-            <a:pPr marL="0" lvl="0" indent="0" algn="l" rtl="0">
+            <a:pPr marL="0" indent="0">
               <a:spcBef>
                 <a:spcPts val="1200"/>
               </a:spcBef>
-              <a:spcAft>
-                <a:spcPts val="0"/>
-              </a:spcAft>
               <a:buNone/>
             </a:pPr>
             <a:r>
@@ -10057,7 +9486,7 @@
             <a:endParaRPr/>
           </a:p>
           <a:p>
-            <a:pPr marL="0" lvl="0" indent="0" algn="l" rtl="0">
+            <a:pPr marL="0" indent="0">
               <a:spcBef>
                 <a:spcPts val="1200"/>
               </a:spcBef>
@@ -10111,7 +9540,7 @@
         </p:nvSpPr>
         <p:spPr>
           <a:xfrm>
-            <a:off x="311700" y="593367"/>
+            <a:off x="1835700" y="593367"/>
             <a:ext cx="8520600" cy="763500"/>
           </a:xfrm>
           <a:prstGeom prst="rect">
@@ -10124,15 +9553,6 @@
           </a:bodyPr>
           <a:lstStyle/>
           <a:p>
-            <a:pPr marL="0" lvl="0" indent="0" algn="l" rtl="0">
-              <a:spcBef>
-                <a:spcPts val="0"/>
-              </a:spcBef>
-              <a:spcAft>
-                <a:spcPts val="0"/>
-              </a:spcAft>
-              <a:buNone/>
-            </a:pPr>
             <a:r>
               <a:rPr lang="en" b="1"/>
               <a:t>리스트 변수 - 인덱스 번호 </a:t>
@@ -10153,7 +9573,7 @@
         </p:nvSpPr>
         <p:spPr>
           <a:xfrm>
-            <a:off x="311700" y="1536631"/>
+            <a:off x="1835700" y="1536631"/>
             <a:ext cx="8520600" cy="1505100"/>
           </a:xfrm>
           <a:prstGeom prst="rect">
@@ -10166,16 +9586,6 @@
           </a:bodyPr>
           <a:lstStyle/>
           <a:p>
-            <a:pPr marL="457200" lvl="0" indent="-342900" algn="l" rtl="0">
-              <a:spcBef>
-                <a:spcPts val="0"/>
-              </a:spcBef>
-              <a:spcAft>
-                <a:spcPts val="0"/>
-              </a:spcAft>
-              <a:buSzPts val="1800"/>
-              <a:buChar char="●"/>
-            </a:pPr>
             <a:r>
               <a:rPr lang="en"/>
               <a:t>리스트 변수에는 인덱스 번호라는 것 있습니다. </a:t>
@@ -10183,16 +9593,6 @@
             <a:endParaRPr/>
           </a:p>
           <a:p>
-            <a:pPr marL="457200" lvl="0" indent="-342900" algn="l" rtl="0">
-              <a:spcBef>
-                <a:spcPts val="0"/>
-              </a:spcBef>
-              <a:spcAft>
-                <a:spcPts val="0"/>
-              </a:spcAft>
-              <a:buSzPts val="1800"/>
-              <a:buChar char="●"/>
-            </a:pPr>
             <a:r>
               <a:rPr lang="en"/>
               <a:t>리스트 변수의 항목의 순서를 나타내는 숫자 </a:t>
@@ -10200,16 +9600,6 @@
             <a:endParaRPr/>
           </a:p>
           <a:p>
-            <a:pPr marL="457200" lvl="0" indent="-342900" algn="l" rtl="0">
-              <a:spcBef>
-                <a:spcPts val="0"/>
-              </a:spcBef>
-              <a:spcAft>
-                <a:spcPts val="0"/>
-              </a:spcAft>
-              <a:buSzPts val="1800"/>
-              <a:buChar char="●"/>
-            </a:pPr>
             <a:r>
               <a:rPr lang="en"/>
               <a:t>인덱스 숫자는 0부터 시작 </a:t>
@@ -10217,16 +9607,6 @@
             <a:endParaRPr/>
           </a:p>
           <a:p>
-            <a:pPr marL="457200" lvl="0" indent="-342900" algn="l" rtl="0">
-              <a:spcBef>
-                <a:spcPts val="0"/>
-              </a:spcBef>
-              <a:spcAft>
-                <a:spcPts val="0"/>
-              </a:spcAft>
-              <a:buSzPts val="1800"/>
-              <a:buChar char="●"/>
-            </a:pPr>
             <a:r>
               <a:rPr lang="en"/>
               <a:t>Ex.: num_list의 3번째 항목은 3, 5번째 항목은 2</a:t>
@@ -10243,7 +9623,7 @@
         </p:nvSpPr>
         <p:spPr>
           <a:xfrm>
-            <a:off x="549975" y="3501950"/>
+            <a:off x="2073975" y="3501950"/>
             <a:ext cx="7991700" cy="800400"/>
           </a:xfrm>
           <a:prstGeom prst="rect">
@@ -10260,15 +9640,6 @@
           </a:bodyPr>
           <a:lstStyle/>
           <a:p>
-            <a:pPr marL="0" lvl="0" indent="0" algn="l" rtl="0">
-              <a:spcBef>
-                <a:spcPts val="0"/>
-              </a:spcBef>
-              <a:spcAft>
-                <a:spcPts val="0"/>
-              </a:spcAft>
-              <a:buNone/>
-            </a:pPr>
             <a:r>
               <a:rPr lang="en" sz="4000">
                 <a:solidFill>
@@ -10293,7 +9664,7 @@
         </p:nvSpPr>
         <p:spPr>
           <a:xfrm>
-            <a:off x="1230550" y="4366225"/>
+            <a:off x="2754550" y="4366225"/>
             <a:ext cx="6577200" cy="800400"/>
           </a:xfrm>
           <a:prstGeom prst="rect">
@@ -10310,15 +9681,6 @@
           </a:bodyPr>
           <a:lstStyle/>
           <a:p>
-            <a:pPr marL="0" lvl="0" indent="0" algn="l" rtl="0">
-              <a:spcBef>
-                <a:spcPts val="0"/>
-              </a:spcBef>
-              <a:spcAft>
-                <a:spcPts val="0"/>
-              </a:spcAft>
-              <a:buNone/>
-            </a:pPr>
             <a:r>
               <a:rPr lang="en" sz="4000"/>
               <a:t>Index 번호    0  1  2  3  4  5  </a:t>
@@ -10364,7 +9726,7 @@
         </p:nvSpPr>
         <p:spPr>
           <a:xfrm>
-            <a:off x="311700" y="593367"/>
+            <a:off x="1835700" y="593367"/>
             <a:ext cx="8520600" cy="763500"/>
           </a:xfrm>
           <a:prstGeom prst="rect">
@@ -10377,15 +9739,6 @@
           </a:bodyPr>
           <a:lstStyle/>
           <a:p>
-            <a:pPr marL="0" lvl="0" indent="0" algn="l" rtl="0">
-              <a:spcBef>
-                <a:spcPts val="0"/>
-              </a:spcBef>
-              <a:spcAft>
-                <a:spcPts val="0"/>
-              </a:spcAft>
-              <a:buNone/>
-            </a:pPr>
             <a:r>
               <a:rPr lang="en" b="1"/>
               <a:t>리스트 변수 만들기, 항목 추가하기 </a:t>
@@ -10406,7 +9759,7 @@
         </p:nvSpPr>
         <p:spPr>
           <a:xfrm>
-            <a:off x="311700" y="1536625"/>
+            <a:off x="1835700" y="1536625"/>
             <a:ext cx="8520600" cy="5186700"/>
           </a:xfrm>
           <a:prstGeom prst="rect">
@@ -10415,20 +9768,10 @@
         </p:spPr>
         <p:txBody>
           <a:bodyPr spcFirstLastPara="1" wrap="square" lIns="91425" tIns="91425" rIns="91425" bIns="91425" anchor="t" anchorCtr="0">
-            <a:normAutofit/>
+            <a:normAutofit lnSpcReduction="10000"/>
           </a:bodyPr>
           <a:lstStyle/>
           <a:p>
-            <a:pPr marL="457200" lvl="0" indent="-342900" algn="l" rtl="0">
-              <a:spcBef>
-                <a:spcPts val="0"/>
-              </a:spcBef>
-              <a:spcAft>
-                <a:spcPts val="0"/>
-              </a:spcAft>
-              <a:buSzPts val="1800"/>
-              <a:buChar char="●"/>
-            </a:pPr>
             <a:r>
               <a:rPr lang="en"/>
               <a:t>항목이 정해진 리스트 변수 만들기 </a:t>
@@ -10436,13 +9779,10 @@
             <a:endParaRPr/>
           </a:p>
           <a:p>
-            <a:pPr marL="457200" lvl="0" indent="0" algn="l" rtl="0">
+            <a:pPr indent="0">
               <a:spcBef>
                 <a:spcPts val="1200"/>
               </a:spcBef>
-              <a:spcAft>
-                <a:spcPts val="0"/>
-              </a:spcAft>
               <a:buNone/>
             </a:pPr>
             <a:r>
@@ -10460,13 +9800,10 @@
             </a:endParaRPr>
           </a:p>
           <a:p>
-            <a:pPr marL="457200" lvl="0" indent="0" algn="l" rtl="0">
+            <a:pPr indent="0">
               <a:spcBef>
                 <a:spcPts val="1200"/>
               </a:spcBef>
-              <a:spcAft>
-                <a:spcPts val="0"/>
-              </a:spcAft>
               <a:buNone/>
             </a:pPr>
             <a:r>
@@ -10484,15 +9821,10 @@
             </a:endParaRPr>
           </a:p>
           <a:p>
-            <a:pPr marL="457200" lvl="0" indent="-342900" algn="l" rtl="0">
+            <a:pPr>
               <a:spcBef>
                 <a:spcPts val="1200"/>
               </a:spcBef>
-              <a:spcAft>
-                <a:spcPts val="0"/>
-              </a:spcAft>
-              <a:buSzPts val="1800"/>
-              <a:buChar char="●"/>
             </a:pPr>
             <a:r>
               <a:rPr lang="en"/>
@@ -10501,13 +9833,10 @@
             <a:endParaRPr/>
           </a:p>
           <a:p>
-            <a:pPr marL="457200" lvl="0" indent="0" algn="l" rtl="0">
+            <a:pPr indent="0">
               <a:spcBef>
                 <a:spcPts val="1200"/>
               </a:spcBef>
-              <a:spcAft>
-                <a:spcPts val="0"/>
-              </a:spcAft>
               <a:buNone/>
             </a:pPr>
             <a:r>
@@ -10525,15 +9854,10 @@
             </a:endParaRPr>
           </a:p>
           <a:p>
-            <a:pPr marL="457200" lvl="0" indent="-342900" algn="l" rtl="0">
+            <a:pPr>
               <a:spcBef>
                 <a:spcPts val="1200"/>
               </a:spcBef>
-              <a:spcAft>
-                <a:spcPts val="0"/>
-              </a:spcAft>
-              <a:buSzPts val="1800"/>
-              <a:buChar char="●"/>
             </a:pPr>
             <a:r>
               <a:rPr lang="en"/>
@@ -10542,13 +9866,10 @@
             <a:endParaRPr/>
           </a:p>
           <a:p>
-            <a:pPr marL="457200" lvl="0" indent="0" algn="l" rtl="0">
+            <a:pPr indent="0">
               <a:spcBef>
                 <a:spcPts val="1200"/>
               </a:spcBef>
-              <a:spcAft>
-                <a:spcPts val="0"/>
-              </a:spcAft>
               <a:buNone/>
             </a:pPr>
             <a:r>
@@ -10566,13 +9887,10 @@
             </a:endParaRPr>
           </a:p>
           <a:p>
-            <a:pPr marL="457200" lvl="0" indent="0" algn="l" rtl="0">
+            <a:pPr indent="0">
               <a:spcBef>
                 <a:spcPts val="1200"/>
               </a:spcBef>
-              <a:spcAft>
-                <a:spcPts val="0"/>
-              </a:spcAft>
               <a:buNone/>
             </a:pPr>
             <a:r>
@@ -10590,13 +9908,10 @@
             </a:endParaRPr>
           </a:p>
           <a:p>
-            <a:pPr marL="457200" lvl="0" indent="0" algn="l" rtl="0">
+            <a:pPr indent="0">
               <a:spcBef>
                 <a:spcPts val="1200"/>
               </a:spcBef>
-              <a:spcAft>
-                <a:spcPts val="0"/>
-              </a:spcAft>
               <a:buNone/>
             </a:pPr>
             <a:r>
@@ -10614,7 +9929,7 @@
             </a:endParaRPr>
           </a:p>
           <a:p>
-            <a:pPr marL="457200" lvl="0" indent="0" algn="l" rtl="0">
+            <a:pPr indent="0">
               <a:spcBef>
                 <a:spcPts val="1200"/>
               </a:spcBef>
@@ -10676,7 +9991,7 @@
         </p:nvSpPr>
         <p:spPr>
           <a:xfrm>
-            <a:off x="311700" y="593367"/>
+            <a:off x="1835700" y="593367"/>
             <a:ext cx="8520600" cy="763500"/>
           </a:xfrm>
           <a:prstGeom prst="rect">
@@ -10689,15 +10004,6 @@
           </a:bodyPr>
           <a:lstStyle/>
           <a:p>
-            <a:pPr marL="0" lvl="0" indent="0" algn="l" rtl="0">
-              <a:spcBef>
-                <a:spcPts val="0"/>
-              </a:spcBef>
-              <a:spcAft>
-                <a:spcPts val="0"/>
-              </a:spcAft>
-              <a:buNone/>
-            </a:pPr>
             <a:r>
               <a:rPr lang="en" b="1"/>
               <a:t>항목 읽기 </a:t>
@@ -10718,7 +10024,7 @@
         </p:nvSpPr>
         <p:spPr>
           <a:xfrm>
-            <a:off x="311700" y="1536624"/>
+            <a:off x="1835700" y="1536624"/>
             <a:ext cx="8520600" cy="5141700"/>
           </a:xfrm>
           <a:prstGeom prst="rect">
@@ -10727,20 +10033,10 @@
         </p:spPr>
         <p:txBody>
           <a:bodyPr spcFirstLastPara="1" wrap="square" lIns="91425" tIns="91425" rIns="91425" bIns="91425" anchor="t" anchorCtr="0">
-            <a:normAutofit lnSpcReduction="20000"/>
+            <a:normAutofit fontScale="92500"/>
           </a:bodyPr>
           <a:lstStyle/>
           <a:p>
-            <a:pPr marL="457200" lvl="0" indent="-342900" algn="l" rtl="0">
-              <a:spcBef>
-                <a:spcPts val="0"/>
-              </a:spcBef>
-              <a:spcAft>
-                <a:spcPts val="0"/>
-              </a:spcAft>
-              <a:buSzPts val="1800"/>
-              <a:buChar char="●"/>
-            </a:pPr>
             <a:r>
               <a:rPr lang="en" dirty="0"/>
               <a:t>리스트 변수에서 하나의 항목을 읽기는 다음과 같이 합니다. </a:t>
@@ -10748,13 +10044,10 @@
             <a:endParaRPr dirty="0"/>
           </a:p>
           <a:p>
-            <a:pPr marL="457200" lvl="0" indent="0" algn="l" rtl="0">
+            <a:pPr indent="0">
               <a:spcBef>
                 <a:spcPts val="1200"/>
               </a:spcBef>
-              <a:spcAft>
-                <a:spcPts val="0"/>
-              </a:spcAft>
               <a:buNone/>
             </a:pPr>
             <a:r>
@@ -10772,13 +10065,10 @@
             </a:endParaRPr>
           </a:p>
           <a:p>
-            <a:pPr marL="457200" lvl="0" indent="0" algn="l" rtl="0">
+            <a:pPr indent="0">
               <a:spcBef>
                 <a:spcPts val="1200"/>
               </a:spcBef>
-              <a:spcAft>
-                <a:spcPts val="0"/>
-              </a:spcAft>
               <a:buNone/>
             </a:pPr>
             <a:r>
@@ -10796,13 +10086,10 @@
             </a:endParaRPr>
           </a:p>
           <a:p>
-            <a:pPr marL="457200" lvl="0" indent="0" algn="l" rtl="0">
+            <a:pPr indent="0">
               <a:spcBef>
                 <a:spcPts val="1200"/>
               </a:spcBef>
-              <a:spcAft>
-                <a:spcPts val="0"/>
-              </a:spcAft>
               <a:buNone/>
             </a:pPr>
             <a:r>
@@ -10820,13 +10107,10 @@
             </a:endParaRPr>
           </a:p>
           <a:p>
-            <a:pPr marL="457200" lvl="0" indent="0" algn="l" rtl="0">
+            <a:pPr indent="0">
               <a:spcBef>
                 <a:spcPts val="1200"/>
               </a:spcBef>
-              <a:spcAft>
-                <a:spcPts val="0"/>
-              </a:spcAft>
               <a:buNone/>
             </a:pPr>
             <a:r>
@@ -10844,13 +10128,10 @@
             </a:endParaRPr>
           </a:p>
           <a:p>
-            <a:pPr marL="457200" lvl="0" indent="0" algn="l" rtl="0">
+            <a:pPr indent="0">
               <a:spcBef>
                 <a:spcPts val="1200"/>
               </a:spcBef>
-              <a:spcAft>
-                <a:spcPts val="0"/>
-              </a:spcAft>
               <a:buNone/>
             </a:pPr>
             <a:r>
@@ -10868,13 +10149,10 @@
             </a:endParaRPr>
           </a:p>
           <a:p>
-            <a:pPr marL="457200" lvl="0" indent="0" algn="l" rtl="0">
+            <a:pPr indent="0">
               <a:spcBef>
                 <a:spcPts val="1200"/>
               </a:spcBef>
-              <a:spcAft>
-                <a:spcPts val="0"/>
-              </a:spcAft>
               <a:buNone/>
             </a:pPr>
             <a:r>
@@ -10892,13 +10170,10 @@
             </a:endParaRPr>
           </a:p>
           <a:p>
-            <a:pPr marL="457200" lvl="0" indent="0" algn="l" rtl="0">
+            <a:pPr indent="0">
               <a:spcBef>
                 <a:spcPts val="1200"/>
               </a:spcBef>
-              <a:spcAft>
-                <a:spcPts val="0"/>
-              </a:spcAft>
               <a:buNone/>
             </a:pPr>
             <a:r>
@@ -10916,15 +10191,10 @@
             </a:endParaRPr>
           </a:p>
           <a:p>
-            <a:pPr marL="457200" lvl="0" indent="-342900" algn="l" rtl="0">
+            <a:pPr>
               <a:spcBef>
                 <a:spcPts val="1200"/>
               </a:spcBef>
-              <a:spcAft>
-                <a:spcPts val="0"/>
-              </a:spcAft>
-              <a:buSzPts val="1800"/>
-              <a:buChar char="●"/>
             </a:pPr>
             <a:r>
               <a:rPr lang="en" dirty="0"/>
@@ -10933,13 +10203,10 @@
             <a:endParaRPr dirty="0"/>
           </a:p>
           <a:p>
-            <a:pPr marL="0" lvl="0" indent="0" algn="l" rtl="0">
+            <a:pPr marL="0" indent="0">
               <a:spcBef>
                 <a:spcPts val="1200"/>
               </a:spcBef>
-              <a:spcAft>
-                <a:spcPts val="0"/>
-              </a:spcAft>
               <a:buNone/>
             </a:pPr>
             <a:r>
@@ -10965,7 +10232,7 @@
             </a:endParaRPr>
           </a:p>
           <a:p>
-            <a:pPr marL="457200" lvl="0" indent="0" algn="l" rtl="0">
+            <a:pPr indent="0">
               <a:spcBef>
                 <a:spcPts val="1200"/>
               </a:spcBef>
@@ -11019,7 +10286,7 @@
         </p:nvSpPr>
         <p:spPr>
           <a:xfrm>
-            <a:off x="311700" y="593367"/>
+            <a:off x="1835700" y="593367"/>
             <a:ext cx="8520600" cy="763500"/>
           </a:xfrm>
           <a:prstGeom prst="rect">
@@ -11032,15 +10299,6 @@
           </a:bodyPr>
           <a:lstStyle/>
           <a:p>
-            <a:pPr marL="0" lvl="0" indent="0" algn="l" rtl="0">
-              <a:spcBef>
-                <a:spcPts val="0"/>
-              </a:spcBef>
-              <a:spcAft>
-                <a:spcPts val="0"/>
-              </a:spcAft>
-              <a:buNone/>
-            </a:pPr>
             <a:r>
               <a:rPr lang="en" b="1"/>
               <a:t>리스트 변수 슬라이싱 </a:t>
@@ -11061,7 +10319,7 @@
         </p:nvSpPr>
         <p:spPr>
           <a:xfrm>
-            <a:off x="311700" y="1290775"/>
+            <a:off x="1835700" y="1290775"/>
             <a:ext cx="8520600" cy="5443800"/>
           </a:xfrm>
           <a:prstGeom prst="rect">
@@ -11070,20 +10328,10 @@
         </p:spPr>
         <p:txBody>
           <a:bodyPr spcFirstLastPara="1" wrap="square" lIns="91425" tIns="91425" rIns="91425" bIns="91425" anchor="t" anchorCtr="0">
-            <a:normAutofit lnSpcReduction="10000"/>
+            <a:normAutofit fontScale="92500" lnSpcReduction="10000"/>
           </a:bodyPr>
           <a:lstStyle/>
           <a:p>
-            <a:pPr marL="457200" lvl="0" indent="-342900" algn="l" rtl="0">
-              <a:spcBef>
-                <a:spcPts val="0"/>
-              </a:spcBef>
-              <a:spcAft>
-                <a:spcPts val="0"/>
-              </a:spcAft>
-              <a:buSzPts val="1800"/>
-              <a:buChar char="●"/>
-            </a:pPr>
             <a:r>
               <a:rPr lang="en"/>
               <a:t>리스트변수는 “슬라이싱”을 통해서 일부 항목을 읽을 수 있습니다. </a:t>
@@ -11091,16 +10339,6 @@
             <a:endParaRPr/>
           </a:p>
           <a:p>
-            <a:pPr marL="457200" lvl="0" indent="-342900" algn="l" rtl="0">
-              <a:spcBef>
-                <a:spcPts val="0"/>
-              </a:spcBef>
-              <a:spcAft>
-                <a:spcPts val="0"/>
-              </a:spcAft>
-              <a:buSzPts val="1800"/>
-              <a:buChar char="●"/>
-            </a:pPr>
             <a:r>
               <a:rPr lang="en"/>
               <a:t>“슬라이싱”을 통해서 새로운 리스트 변수를 만들 수도 있습니다.</a:t>
@@ -11108,16 +10346,6 @@
             <a:endParaRPr/>
           </a:p>
           <a:p>
-            <a:pPr marL="457200" lvl="0" indent="-342900" algn="l" rtl="0">
-              <a:spcBef>
-                <a:spcPts val="0"/>
-              </a:spcBef>
-              <a:spcAft>
-                <a:spcPts val="0"/>
-              </a:spcAft>
-              <a:buSzPts val="1800"/>
-              <a:buChar char="●"/>
-            </a:pPr>
             <a:r>
               <a:rPr lang="en"/>
               <a:t>“슬라이싱” 다음과 같은 방법으로 실행합니다.</a:t>
@@ -11125,13 +10353,10 @@
             <a:endParaRPr/>
           </a:p>
           <a:p>
-            <a:pPr marL="457200" lvl="0" indent="0" algn="l" rtl="0">
+            <a:pPr indent="0">
               <a:spcBef>
                 <a:spcPts val="1200"/>
               </a:spcBef>
-              <a:spcAft>
-                <a:spcPts val="0"/>
-              </a:spcAft>
               <a:buNone/>
             </a:pPr>
             <a:r>
@@ -11149,13 +10374,10 @@
             </a:endParaRPr>
           </a:p>
           <a:p>
-            <a:pPr marL="457200" lvl="0" indent="0" algn="l" rtl="0">
+            <a:pPr indent="0">
               <a:spcBef>
                 <a:spcPts val="1200"/>
               </a:spcBef>
-              <a:spcAft>
-                <a:spcPts val="0"/>
-              </a:spcAft>
               <a:buNone/>
             </a:pPr>
             <a:r>
@@ -11173,18 +10395,14 @@
             </a:endParaRPr>
           </a:p>
           <a:p>
-            <a:pPr marL="457200" lvl="0" indent="0" algn="l" rtl="0">
+            <a:pPr indent="0">
               <a:spcBef>
                 <a:spcPts val="1200"/>
               </a:spcBef>
-              <a:spcAft>
-                <a:spcPts val="0"/>
-              </a:spcAft>
               <a:buClr>
                 <a:schemeClr val="dk1"/>
               </a:buClr>
               <a:buSzPts val="1100"/>
-              <a:buFont typeface="Arial"/>
               <a:buNone/>
             </a:pPr>
             <a:r>
@@ -11202,13 +10420,10 @@
             </a:endParaRPr>
           </a:p>
           <a:p>
-            <a:pPr marL="457200" lvl="0" indent="0" algn="l" rtl="0">
+            <a:pPr indent="0">
               <a:spcBef>
                 <a:spcPts val="1200"/>
               </a:spcBef>
-              <a:spcAft>
-                <a:spcPts val="0"/>
-              </a:spcAft>
               <a:buNone/>
             </a:pPr>
             <a:r>
@@ -11226,13 +10441,10 @@
             </a:endParaRPr>
           </a:p>
           <a:p>
-            <a:pPr marL="457200" lvl="0" indent="0" algn="l" rtl="0">
+            <a:pPr indent="0">
               <a:spcBef>
                 <a:spcPts val="1200"/>
               </a:spcBef>
-              <a:spcAft>
-                <a:spcPts val="0"/>
-              </a:spcAft>
               <a:buNone/>
             </a:pPr>
             <a:r>
@@ -11250,13 +10462,10 @@
             </a:endParaRPr>
           </a:p>
           <a:p>
-            <a:pPr marL="457200" lvl="0" indent="0" algn="l" rtl="0">
+            <a:pPr indent="0">
               <a:spcBef>
                 <a:spcPts val="1200"/>
               </a:spcBef>
-              <a:spcAft>
-                <a:spcPts val="0"/>
-              </a:spcAft>
               <a:buNone/>
             </a:pPr>
             <a:r>
@@ -11274,13 +10483,10 @@
             </a:endParaRPr>
           </a:p>
           <a:p>
-            <a:pPr marL="457200" lvl="0" indent="0" algn="l" rtl="0">
+            <a:pPr indent="0">
               <a:spcBef>
                 <a:spcPts val="1200"/>
               </a:spcBef>
-              <a:spcAft>
-                <a:spcPts val="0"/>
-              </a:spcAft>
               <a:buNone/>
             </a:pPr>
             <a:r>
@@ -11298,13 +10504,10 @@
             </a:endParaRPr>
           </a:p>
           <a:p>
-            <a:pPr marL="457200" lvl="0" indent="0" algn="l" rtl="0">
+            <a:pPr indent="0">
               <a:spcBef>
                 <a:spcPts val="1200"/>
               </a:spcBef>
-              <a:spcAft>
-                <a:spcPts val="0"/>
-              </a:spcAft>
               <a:buNone/>
             </a:pPr>
             <a:r>
@@ -11322,7 +10525,7 @@
             </a:endParaRPr>
           </a:p>
           <a:p>
-            <a:pPr marL="457200" lvl="0" indent="0" algn="l" rtl="0">
+            <a:pPr indent="0">
               <a:spcBef>
                 <a:spcPts val="1200"/>
               </a:spcBef>
@@ -11384,7 +10587,7 @@
         </p:nvSpPr>
         <p:spPr>
           <a:xfrm>
-            <a:off x="311700" y="593367"/>
+            <a:off x="1835700" y="593367"/>
             <a:ext cx="8520600" cy="763500"/>
           </a:xfrm>
           <a:prstGeom prst="rect">
@@ -11397,15 +10600,6 @@
           </a:bodyPr>
           <a:lstStyle/>
           <a:p>
-            <a:pPr marL="0" lvl="0" indent="0" algn="l" rtl="0">
-              <a:spcBef>
-                <a:spcPts val="0"/>
-              </a:spcBef>
-              <a:spcAft>
-                <a:spcPts val="0"/>
-              </a:spcAft>
-              <a:buNone/>
-            </a:pPr>
             <a:r>
               <a:rPr lang="en" b="1"/>
               <a:t>리스트변수 항목을 다른 데이터로 교체하기 </a:t>
@@ -11426,7 +10620,7 @@
         </p:nvSpPr>
         <p:spPr>
           <a:xfrm>
-            <a:off x="311700" y="1536633"/>
+            <a:off x="1835700" y="1536633"/>
             <a:ext cx="8520600" cy="4555200"/>
           </a:xfrm>
           <a:prstGeom prst="rect">
@@ -11439,16 +10633,6 @@
           </a:bodyPr>
           <a:lstStyle/>
           <a:p>
-            <a:pPr marL="457200" lvl="0" indent="-342900" algn="l" rtl="0">
-              <a:spcBef>
-                <a:spcPts val="0"/>
-              </a:spcBef>
-              <a:spcAft>
-                <a:spcPts val="0"/>
-              </a:spcAft>
-              <a:buSzPts val="1800"/>
-              <a:buChar char="●"/>
-            </a:pPr>
             <a:r>
               <a:rPr lang="en"/>
               <a:t>리스트 변수의 특정 항목을 다른 데이터로 교체하려면 다음과 같이 합니다. </a:t>
@@ -11456,13 +10640,10 @@
             <a:endParaRPr/>
           </a:p>
           <a:p>
-            <a:pPr marL="457200" lvl="0" indent="0" algn="l" rtl="0">
+            <a:pPr indent="0">
               <a:spcBef>
                 <a:spcPts val="1200"/>
               </a:spcBef>
-              <a:spcAft>
-                <a:spcPts val="0"/>
-              </a:spcAft>
               <a:buNone/>
             </a:pPr>
             <a:r>
@@ -11480,13 +10661,10 @@
             </a:endParaRPr>
           </a:p>
           <a:p>
-            <a:pPr marL="457200" lvl="0" indent="0" algn="l" rtl="0">
+            <a:pPr indent="0">
               <a:spcBef>
                 <a:spcPts val="1200"/>
               </a:spcBef>
-              <a:spcAft>
-                <a:spcPts val="0"/>
-              </a:spcAft>
               <a:buNone/>
             </a:pPr>
             <a:r>
@@ -11504,13 +10682,10 @@
             </a:endParaRPr>
           </a:p>
           <a:p>
-            <a:pPr marL="457200" lvl="0" indent="0" algn="l" rtl="0">
+            <a:pPr indent="0">
               <a:spcBef>
                 <a:spcPts val="1200"/>
               </a:spcBef>
-              <a:spcAft>
-                <a:spcPts val="0"/>
-              </a:spcAft>
               <a:buNone/>
             </a:pPr>
             <a:r>
@@ -11528,18 +10703,14 @@
             </a:endParaRPr>
           </a:p>
           <a:p>
-            <a:pPr marL="457200" lvl="0" indent="0" algn="l" rtl="0">
+            <a:pPr indent="0">
               <a:spcBef>
                 <a:spcPts val="1200"/>
               </a:spcBef>
-              <a:spcAft>
-                <a:spcPts val="0"/>
-              </a:spcAft>
               <a:buClr>
                 <a:schemeClr val="dk1"/>
               </a:buClr>
               <a:buSzPts val="1100"/>
-              <a:buFont typeface="Arial"/>
               <a:buNone/>
             </a:pPr>
             <a:r>
@@ -11557,7 +10728,7 @@
             </a:endParaRPr>
           </a:p>
           <a:p>
-            <a:pPr marL="457200" lvl="0" indent="0" algn="l" rtl="0">
+            <a:pPr indent="0">
               <a:spcBef>
                 <a:spcPts val="1200"/>
               </a:spcBef>
@@ -11582,7 +10753,7 @@
         </p:nvSpPr>
         <p:spPr>
           <a:xfrm>
-            <a:off x="3580525" y="3533575"/>
+            <a:off x="5104525" y="3533575"/>
             <a:ext cx="1122300" cy="561300"/>
           </a:xfrm>
           <a:prstGeom prst="rect">
@@ -11605,15 +10776,6 @@
           </a:bodyPr>
           <a:lstStyle/>
           <a:p>
-            <a:pPr marL="0" lvl="0" indent="0" algn="l" rtl="0">
-              <a:spcBef>
-                <a:spcPts val="0"/>
-              </a:spcBef>
-              <a:spcAft>
-                <a:spcPts val="0"/>
-              </a:spcAft>
-              <a:buNone/>
-            </a:pPr>
             <a:endParaRPr/>
           </a:p>
         </p:txBody>
@@ -11626,7 +10788,7 @@
         </p:nvSpPr>
         <p:spPr>
           <a:xfrm>
-            <a:off x="5820625" y="1979900"/>
+            <a:off x="7344625" y="1979900"/>
             <a:ext cx="1122300" cy="561300"/>
           </a:xfrm>
           <a:prstGeom prst="rect">
@@ -11649,15 +10811,6 @@
           </a:bodyPr>
           <a:lstStyle/>
           <a:p>
-            <a:pPr marL="0" lvl="0" indent="0" algn="l" rtl="0">
-              <a:spcBef>
-                <a:spcPts val="0"/>
-              </a:spcBef>
-              <a:spcAft>
-                <a:spcPts val="0"/>
-              </a:spcAft>
-              <a:buNone/>
-            </a:pPr>
             <a:endParaRPr/>
           </a:p>
         </p:txBody>
@@ -11699,7 +10852,7 @@
         </p:nvSpPr>
         <p:spPr>
           <a:xfrm>
-            <a:off x="311700" y="593367"/>
+            <a:off x="1835700" y="593367"/>
             <a:ext cx="8520600" cy="763500"/>
           </a:xfrm>
           <a:prstGeom prst="rect">
@@ -11712,15 +10865,6 @@
           </a:bodyPr>
           <a:lstStyle/>
           <a:p>
-            <a:pPr marL="0" lvl="0" indent="0" algn="l" rtl="0">
-              <a:spcBef>
-                <a:spcPts val="0"/>
-              </a:spcBef>
-              <a:spcAft>
-                <a:spcPts val="0"/>
-              </a:spcAft>
-              <a:buNone/>
-            </a:pPr>
             <a:r>
               <a:rPr lang="en" b="1"/>
               <a:t>리스트 변수의 항목 사이에 다른 항목을 추가하기 </a:t>
@@ -11741,7 +10885,7 @@
         </p:nvSpPr>
         <p:spPr>
           <a:xfrm>
-            <a:off x="311700" y="1536633"/>
+            <a:off x="1835700" y="1536633"/>
             <a:ext cx="8520600" cy="4555200"/>
           </a:xfrm>
           <a:prstGeom prst="rect">
@@ -11754,16 +10898,6 @@
           </a:bodyPr>
           <a:lstStyle/>
           <a:p>
-            <a:pPr marL="457200" lvl="0" indent="-342900" algn="l" rtl="0">
-              <a:spcBef>
-                <a:spcPts val="0"/>
-              </a:spcBef>
-              <a:spcAft>
-                <a:spcPts val="0"/>
-              </a:spcAft>
-              <a:buSzPts val="1800"/>
-              <a:buChar char="●"/>
-            </a:pPr>
             <a:r>
               <a:rPr lang="en" dirty="0"/>
               <a:t>리스트변수의 기존 항목 사이에 새로운 항목을 추가하려면 다음과 같이 합니다. </a:t>
@@ -11771,13 +10905,10 @@
             <a:endParaRPr dirty="0"/>
           </a:p>
           <a:p>
-            <a:pPr marL="457200" lvl="0" indent="0" algn="l" rtl="0">
+            <a:pPr indent="0">
               <a:spcBef>
                 <a:spcPts val="1200"/>
               </a:spcBef>
-              <a:spcAft>
-                <a:spcPts val="0"/>
-              </a:spcAft>
               <a:buNone/>
             </a:pPr>
             <a:r>
@@ -11795,13 +10926,10 @@
             </a:endParaRPr>
           </a:p>
           <a:p>
-            <a:pPr marL="457200" lvl="0" indent="0" algn="l" rtl="0">
+            <a:pPr indent="0">
               <a:spcBef>
                 <a:spcPts val="1200"/>
               </a:spcBef>
-              <a:spcAft>
-                <a:spcPts val="0"/>
-              </a:spcAft>
               <a:buNone/>
             </a:pPr>
             <a:r>
@@ -11819,13 +10947,10 @@
             </a:endParaRPr>
           </a:p>
           <a:p>
-            <a:pPr marL="457200" lvl="0" indent="0" algn="l" rtl="0">
+            <a:pPr indent="0">
               <a:spcBef>
                 <a:spcPts val="1200"/>
               </a:spcBef>
-              <a:spcAft>
-                <a:spcPts val="0"/>
-              </a:spcAft>
               <a:buNone/>
             </a:pPr>
             <a:r>
@@ -11843,13 +10968,10 @@
             </a:endParaRPr>
           </a:p>
           <a:p>
-            <a:pPr marL="457200" lvl="0" indent="0" algn="l" rtl="0">
+            <a:pPr indent="0">
               <a:spcBef>
                 <a:spcPts val="1200"/>
               </a:spcBef>
-              <a:spcAft>
-                <a:spcPts val="0"/>
-              </a:spcAft>
               <a:buNone/>
             </a:pPr>
             <a:r>
@@ -11867,15 +10989,10 @@
             </a:endParaRPr>
           </a:p>
           <a:p>
-            <a:pPr marL="457200" lvl="0" indent="-342900" algn="l" rtl="0">
+            <a:pPr>
               <a:spcBef>
                 <a:spcPts val="1200"/>
               </a:spcBef>
-              <a:spcAft>
-                <a:spcPts val="0"/>
-              </a:spcAft>
-              <a:buSzPts val="1800"/>
-              <a:buChar char="●"/>
             </a:pPr>
             <a:r>
               <a:rPr lang="en" dirty="0"/>
@@ -11884,16 +11001,6 @@
             <a:endParaRPr dirty="0"/>
           </a:p>
           <a:p>
-            <a:pPr marL="457200" lvl="0" indent="-342900" algn="l" rtl="0">
-              <a:spcBef>
-                <a:spcPts val="0"/>
-              </a:spcBef>
-              <a:spcAft>
-                <a:spcPts val="0"/>
-              </a:spcAft>
-              <a:buSzPts val="1800"/>
-              <a:buChar char="●"/>
-            </a:pPr>
             <a:r>
               <a:rPr lang="en" dirty="0"/>
               <a:t>insert(): 리스트 변수 중간, 지정된 항목 뒤에 새로운 항목을 추가 </a:t>
@@ -11910,7 +11017,7 @@
         </p:nvSpPr>
         <p:spPr>
           <a:xfrm>
-            <a:off x="5921650" y="2282950"/>
+            <a:off x="7445650" y="2282950"/>
             <a:ext cx="1122300" cy="561300"/>
           </a:xfrm>
           <a:prstGeom prst="rect">
@@ -11933,15 +11040,6 @@
           </a:bodyPr>
           <a:lstStyle/>
           <a:p>
-            <a:pPr marL="0" lvl="0" indent="0" algn="l" rtl="0">
-              <a:spcBef>
-                <a:spcPts val="0"/>
-              </a:spcBef>
-              <a:spcAft>
-                <a:spcPts val="0"/>
-              </a:spcAft>
-              <a:buNone/>
-            </a:pPr>
             <a:endParaRPr/>
           </a:p>
         </p:txBody>
@@ -11954,7 +11052,7 @@
         </p:nvSpPr>
         <p:spPr>
           <a:xfrm>
-            <a:off x="3705725" y="3804700"/>
+            <a:off x="5229725" y="3804700"/>
             <a:ext cx="1794000" cy="561300"/>
           </a:xfrm>
           <a:prstGeom prst="rect">
@@ -11977,15 +11075,6 @@
           </a:bodyPr>
           <a:lstStyle/>
           <a:p>
-            <a:pPr marL="0" lvl="0" indent="0" algn="l" rtl="0">
-              <a:spcBef>
-                <a:spcPts val="0"/>
-              </a:spcBef>
-              <a:spcAft>
-                <a:spcPts val="0"/>
-              </a:spcAft>
-              <a:buNone/>
-            </a:pPr>
             <a:endParaRPr/>
           </a:p>
         </p:txBody>
